--- a/slides/20170810a-analysis-coffee-break.pptx
+++ b/slides/20170810a-analysis-coffee-break.pptx
@@ -5,10 +5,10 @@
     <p:sldMasterId id="2147483648" r:id="rId1"/>
   </p:sldMasterIdLst>
   <p:notesMasterIdLst>
-    <p:notesMasterId r:id="rId25"/>
+    <p:notesMasterId r:id="rId26"/>
   </p:notesMasterIdLst>
   <p:handoutMasterIdLst>
-    <p:handoutMasterId r:id="rId26"/>
+    <p:handoutMasterId r:id="rId27"/>
   </p:handoutMasterIdLst>
   <p:sldIdLst>
     <p:sldId id="374" r:id="rId2"/>
@@ -32,8 +32,9 @@
     <p:sldId id="412" r:id="rId20"/>
     <p:sldId id="413" r:id="rId21"/>
     <p:sldId id="419" r:id="rId22"/>
-    <p:sldId id="422" r:id="rId23"/>
-    <p:sldId id="418" r:id="rId24"/>
+    <p:sldId id="423" r:id="rId23"/>
+    <p:sldId id="422" r:id="rId24"/>
+    <p:sldId id="418" r:id="rId25"/>
   </p:sldIdLst>
   <p:sldSz cx="9144000" cy="6858000" type="screen4x3"/>
   <p:notesSz cx="7010400" cy="9296400"/>
@@ -253,7 +254,7 @@
           <a:p>
             <a:fld id="{4A2DCE88-7797-456C-A0C6-F29864AD7F93}" type="datetimeFigureOut">
               <a:rPr lang="en-US" smtClean="0"/>
-              <a:t>8/4/2017</a:t>
+              <a:t>8/9/2017</a:t>
             </a:fld>
             <a:endParaRPr lang="en-US"/>
           </a:p>
@@ -423,7 +424,7 @@
             <a:fld id="{B376CFEB-F550-4D62-BF2B-5D5CD8BA2F55}" type="datetimeFigureOut">
               <a:rPr lang="en-US" smtClean="0"/>
               <a:pPr/>
-              <a:t>8/4/2017</a:t>
+              <a:t>8/9/2017</a:t>
             </a:fld>
             <a:endParaRPr lang="en-US" dirty="0"/>
           </a:p>
@@ -4828,7 +4829,7 @@
         </p:nvSpPr>
         <p:spPr>
           <a:xfrm>
-            <a:off x="2273417" y="3798953"/>
+            <a:off x="2273417" y="3631173"/>
             <a:ext cx="6859864" cy="880866"/>
           </a:xfrm>
         </p:spPr>
@@ -4894,8 +4895,8 @@
         </p:nvSpPr>
         <p:spPr>
           <a:xfrm>
-            <a:off x="2767322" y="4867529"/>
-            <a:ext cx="5139372" cy="946042"/>
+            <a:off x="2767322" y="4699749"/>
+            <a:ext cx="3734146" cy="946042"/>
           </a:xfrm>
         </p:spPr>
         <p:txBody>
@@ -4904,11 +4905,19 @@
           <a:p>
             <a:r>
               <a:rPr lang="en-US" sz="1800" dirty="0" smtClean="0"/>
-              <a:t>Brian </a:t>
+              <a:t>Nicholas Brunhart-Lupo, </a:t>
+            </a:r>
+            <a:r>
+              <a:rPr lang="en-US" sz="1800" u="sng" dirty="0" smtClean="0"/>
+              <a:t>Brian Bush</a:t>
             </a:r>
             <a:r>
               <a:rPr lang="en-US" sz="1800" dirty="0" smtClean="0"/>
-              <a:t>Bush</a:t>
+              <a:t>, Kenny Gruchalla, Michael </a:t>
+            </a:r>
+            <a:r>
+              <a:rPr lang="en-US" sz="1800" dirty="0" err="1" smtClean="0"/>
+              <a:t>Rossol</a:t>
             </a:r>
             <a:endParaRPr lang="en-US" sz="1800" dirty="0" smtClean="0"/>
           </a:p>
@@ -4921,11 +4930,7 @@
           <a:p>
             <a:r>
               <a:rPr lang="en-US" sz="1800" dirty="0" smtClean="0"/>
-              <a:t>10 August </a:t>
-            </a:r>
-            <a:r>
-              <a:rPr lang="en-US" sz="1800" dirty="0" smtClean="0"/>
-              <a:t>2017</a:t>
+              <a:t>10 August 2017</a:t>
             </a:r>
             <a:endParaRPr lang="en-US" sz="1800" dirty="0"/>
           </a:p>
@@ -4986,7 +4991,7 @@
         </p:spPr>
         <p:txBody>
           <a:bodyPr>
-            <a:normAutofit fontScale="92500" lnSpcReduction="20000"/>
+            <a:normAutofit fontScale="77500" lnSpcReduction="20000"/>
           </a:bodyPr>
           <a:lstStyle/>
           <a:p>
@@ -5051,8 +5056,27 @@
             <a:pPr lvl="1"/>
             <a:r>
               <a:rPr lang="en-US" dirty="0" smtClean="0"/>
-              <a:t>Efficient.</a:t>
-            </a:r>
+              <a:t>Efficient</a:t>
+            </a:r>
+            <a:r>
+              <a:rPr lang="en-US" dirty="0" smtClean="0"/>
+              <a:t>.</a:t>
+            </a:r>
+          </a:p>
+          <a:p>
+            <a:r>
+              <a:rPr lang="en-US" i="1" dirty="0" smtClean="0"/>
+              <a:t>Users of client libraries, precompiled servers, and server templates need not concern themselves with the low level </a:t>
+            </a:r>
+            <a:r>
+              <a:rPr lang="en-US" i="1" dirty="0" err="1" smtClean="0"/>
+              <a:t>WebSocket</a:t>
+            </a:r>
+            <a:r>
+              <a:rPr lang="en-US" i="1" dirty="0" smtClean="0"/>
+              <a:t> and Protocol Buffer aspects of the API.</a:t>
+            </a:r>
+            <a:endParaRPr lang="en-US" i="1" dirty="0" smtClean="0"/>
           </a:p>
         </p:txBody>
       </p:sp>
@@ -5307,9 +5331,10 @@
           <a:p>
             <a:pPr lvl="2"/>
             <a:r>
-              <a:rPr lang="en-US" dirty="0"/>
-              <a:t>Python (pending)</a:t>
-            </a:r>
+              <a:rPr lang="en-US" dirty="0" smtClean="0"/>
+              <a:t>Python</a:t>
+            </a:r>
+            <a:endParaRPr lang="en-US" dirty="0"/>
           </a:p>
           <a:p>
             <a:pPr lvl="1"/>
@@ -5407,8 +5432,13 @@
             <a:pPr lvl="2"/>
             <a:r>
               <a:rPr lang="en-US" dirty="0" smtClean="0"/>
-              <a:t>Python (pending)</a:t>
-            </a:r>
+              <a:t>Python </a:t>
+            </a:r>
+            <a:r>
+              <a:rPr lang="en-US" dirty="0" smtClean="0"/>
+              <a:t>(planned)</a:t>
+            </a:r>
+            <a:endParaRPr lang="en-US" dirty="0" smtClean="0"/>
           </a:p>
           <a:p>
             <a:r>
@@ -5423,7 +5453,6 @@
               <a:rPr lang="en-US" dirty="0" smtClean="0"/>
               <a:t> containers for services</a:t>
             </a:r>
-            <a:endParaRPr lang="en-US" dirty="0" smtClean="0"/>
           </a:p>
         </p:txBody>
       </p:sp>
@@ -5489,15 +5518,7 @@
             </a:r>
             <a:r>
               <a:rPr lang="en-US" dirty="0" smtClean="0"/>
-              <a:t> for AESD </a:t>
-            </a:r>
-            <a:r>
-              <a:rPr lang="en-US" dirty="0" smtClean="0"/>
-              <a:t>Records API </a:t>
-            </a:r>
-            <a:r>
-              <a:rPr lang="en-US" dirty="0" smtClean="0"/>
-              <a:t>v4</a:t>
+              <a:t> for AESD Records API v4</a:t>
             </a:r>
             <a:endParaRPr lang="en-US" dirty="0"/>
           </a:p>
@@ -5727,7 +5748,11 @@
           <a:p>
             <a:r>
               <a:rPr lang="en-US" dirty="0" smtClean="0"/>
-              <a:t>Using AESD Records for Immersive 3D Scatterplots</a:t>
+              <a:t>Using </a:t>
+            </a:r>
+            <a:r>
+              <a:rPr lang="en-US" dirty="0" smtClean="0"/>
+              <a:t>AESD Records for Immersive 3D Scatterplots</a:t>
             </a:r>
             <a:endParaRPr lang="en-US" dirty="0"/>
           </a:p>
@@ -5794,32 +5819,9 @@
           <a:chExt cx="0" cy="0"/>
         </a:xfrm>
       </p:grpSpPr>
-      <p:sp>
-        <p:nvSpPr>
-          <p:cNvPr id="2" name="Title 1"/>
-          <p:cNvSpPr>
-            <a:spLocks noGrp="1"/>
-          </p:cNvSpPr>
-          <p:nvPr>
-            <p:ph type="title"/>
-          </p:nvPr>
-        </p:nvSpPr>
-        <p:spPr/>
-        <p:txBody>
-          <a:bodyPr/>
-          <a:lstStyle/>
-          <a:p>
-            <a:r>
-              <a:rPr lang="en-US" dirty="0" smtClean="0"/>
-              <a:t>Example AESD Records Client</a:t>
-            </a:r>
-            <a:endParaRPr lang="en-US" dirty="0"/>
-          </a:p>
-        </p:txBody>
-      </p:sp>
       <p:pic>
         <p:nvPicPr>
-          <p:cNvPr id="3" name="Picture 2"/>
+          <p:cNvPr id="5" name="Picture 4"/>
           <p:cNvPicPr>
             <a:picLocks noChangeAspect="1"/>
           </p:cNvPicPr>
@@ -5839,14 +5841,41 @@
         </p:blipFill>
         <p:spPr>
           <a:xfrm>
-            <a:off x="353161" y="838898"/>
-            <a:ext cx="8413334" cy="5672869"/>
+            <a:off x="67112" y="813732"/>
+            <a:ext cx="9001387" cy="5729681"/>
           </a:xfrm>
           <a:prstGeom prst="rect">
             <a:avLst/>
           </a:prstGeom>
         </p:spPr>
       </p:pic>
+      <p:sp>
+        <p:nvSpPr>
+          <p:cNvPr id="2" name="Title 1"/>
+          <p:cNvSpPr>
+            <a:spLocks noGrp="1"/>
+          </p:cNvSpPr>
+          <p:nvPr>
+            <p:ph type="title"/>
+          </p:nvPr>
+        </p:nvSpPr>
+        <p:spPr/>
+        <p:txBody>
+          <a:bodyPr/>
+          <a:lstStyle/>
+          <a:p>
+            <a:r>
+              <a:rPr lang="en-US" dirty="0" smtClean="0"/>
+              <a:t>AESD </a:t>
+            </a:r>
+            <a:r>
+              <a:rPr lang="en-US" dirty="0" smtClean="0"/>
+              <a:t>Records Client</a:t>
+            </a:r>
+            <a:endParaRPr lang="en-US" dirty="0"/>
+          </a:p>
+        </p:txBody>
+      </p:sp>
       <p:sp>
         <p:nvSpPr>
           <p:cNvPr id="4" name="TextBox 3"/>
@@ -5913,8 +5942,8 @@
         </p:nvCxnSpPr>
         <p:spPr>
           <a:xfrm flipH="1" flipV="1">
-            <a:off x="1652631" y="1622656"/>
-            <a:ext cx="961846" cy="317892"/>
+            <a:off x="1476462" y="1606661"/>
+            <a:ext cx="1138015" cy="333887"/>
           </a:xfrm>
           <a:prstGeom prst="straightConnector1">
             <a:avLst/>
@@ -6010,8 +6039,8 @@
         </p:nvCxnSpPr>
         <p:spPr>
           <a:xfrm flipH="1" flipV="1">
-            <a:off x="1652631" y="1786855"/>
-            <a:ext cx="1560133" cy="1040238"/>
+            <a:off x="1786855" y="1863017"/>
+            <a:ext cx="1425909" cy="964076"/>
           </a:xfrm>
           <a:prstGeom prst="straightConnector1">
             <a:avLst/>
@@ -6495,8 +6524,8 @@
         </p:nvCxnSpPr>
         <p:spPr>
           <a:xfrm flipH="1" flipV="1">
-            <a:off x="1459685" y="1318413"/>
-            <a:ext cx="1537800" cy="142620"/>
+            <a:off x="1258349" y="1253324"/>
+            <a:ext cx="1739136" cy="207709"/>
           </a:xfrm>
           <a:prstGeom prst="straightConnector1">
             <a:avLst/>
@@ -7996,7 +8025,6 @@
               <a:rPr lang="en-US" sz="1850" dirty="0"/>
               <a:t>) static data, (ii) dynamically augmented data, (iii) on-demand simulations, (iv) with filters, and (v) with bookmarks. Separate implementations of the API exist in C++, Haskell, JavaScript, Python, and R.</a:t>
             </a:r>
-            <a:endParaRPr lang="en-US" sz="1850" dirty="0"/>
           </a:p>
         </p:txBody>
       </p:sp>
@@ -8166,7 +8194,7 @@
         </p:spPr>
         <p:txBody>
           <a:bodyPr>
-            <a:normAutofit fontScale="92500" lnSpcReduction="20000"/>
+            <a:normAutofit fontScale="85000" lnSpcReduction="20000"/>
           </a:bodyPr>
           <a:lstStyle/>
           <a:p>
@@ -8178,201 +8206,219 @@
               <a:rPr lang="en-US" dirty="0" smtClean="0"/>
             </a:br>
             <a:r>
-              <a:rPr lang="en-US" sz="2400" dirty="0">
+              <a:rPr lang="en-US" sz="2400" b="1" dirty="0">
                 <a:solidFill>
                   <a:schemeClr val="tx1"/>
                 </a:solidFill>
                 <a:latin typeface="Courier New" panose="02070309020205020404" pitchFamily="49" charset="0"/>
                 <a:cs typeface="Courier New" panose="02070309020205020404" pitchFamily="49" charset="0"/>
               </a:rPr>
-              <a:t>connect(</a:t>
-            </a:r>
-            <a:r>
-              <a:rPr lang="en-US" sz="2400" dirty="0" err="1">
+              <a:t>connect</a:t>
+            </a:r>
+            <a:r>
+              <a:rPr lang="en-US" sz="2400" dirty="0">
                 <a:solidFill>
                   <a:schemeClr val="tx1"/>
                 </a:solidFill>
                 <a:latin typeface="Courier New" panose="02070309020205020404" pitchFamily="49" charset="0"/>
                 <a:cs typeface="Courier New" panose="02070309020205020404" pitchFamily="49" charset="0"/>
               </a:rPr>
-              <a:t>wsURL</a:t>
-            </a:r>
-            <a:r>
-              <a:rPr lang="en-US" sz="2400" dirty="0">
+              <a:t>(</a:t>
+            </a:r>
+            <a:r>
+              <a:rPr lang="en-US" sz="2400" dirty="0" err="1">
                 <a:solidFill>
                   <a:schemeClr val="tx1"/>
                 </a:solidFill>
                 <a:latin typeface="Courier New" panose="02070309020205020404" pitchFamily="49" charset="0"/>
                 <a:cs typeface="Courier New" panose="02070309020205020404" pitchFamily="49" charset="0"/>
               </a:rPr>
-              <a:t>)</a:t>
-            </a:r>
-          </a:p>
-          <a:p>
-            <a:r>
-              <a:rPr lang="en-US" dirty="0" smtClean="0"/>
-              <a:t>Disconnect from a server</a:t>
-            </a:r>
-            <a:br>
-              <a:rPr lang="en-US" dirty="0" smtClean="0"/>
-            </a:br>
-            <a:r>
-              <a:rPr lang="en-US" sz="2400" dirty="0">
+              <a:t>wsURL</a:t>
+            </a:r>
+            <a:r>
+              <a:rPr lang="en-US" sz="2400" dirty="0" smtClean="0">
                 <a:solidFill>
                   <a:schemeClr val="tx1"/>
                 </a:solidFill>
                 <a:latin typeface="Courier New" panose="02070309020205020404" pitchFamily="49" charset="0"/>
                 <a:cs typeface="Courier New" panose="02070309020205020404" pitchFamily="49" charset="0"/>
               </a:rPr>
-              <a:t>disconnect(connection)</a:t>
-            </a:r>
-          </a:p>
-          <a:p>
-            <a:r>
-              <a:rPr lang="en-US" dirty="0" smtClean="0"/>
-              <a:t>Retrieve list of data models</a:t>
+              <a:t>)</a:t>
             </a:r>
             <a:br>
-              <a:rPr lang="en-US" dirty="0" smtClean="0"/>
-            </a:br>
-            <a:r>
-              <a:rPr lang="en-US" sz="2400" dirty="0" err="1">
+              <a:rPr lang="en-US" sz="2400" dirty="0" smtClean="0">
                 <a:solidFill>
                   <a:schemeClr val="tx1"/>
                 </a:solidFill>
                 <a:latin typeface="Courier New" panose="02070309020205020404" pitchFamily="49" charset="0"/>
                 <a:cs typeface="Courier New" panose="02070309020205020404" pitchFamily="49" charset="0"/>
               </a:rPr>
-              <a:t>requestModelsMetadata</a:t>
-            </a:r>
-            <a:r>
-              <a:rPr lang="en-US" sz="2400" dirty="0">
+            </a:br>
+            <a:endParaRPr lang="en-US" sz="2400" dirty="0">
+              <a:solidFill>
+                <a:schemeClr val="tx1"/>
+              </a:solidFill>
+              <a:latin typeface="Courier New" panose="02070309020205020404" pitchFamily="49" charset="0"/>
+              <a:cs typeface="Courier New" panose="02070309020205020404" pitchFamily="49" charset="0"/>
+            </a:endParaRPr>
+          </a:p>
+          <a:p>
+            <a:r>
+              <a:rPr lang="en-US" dirty="0" smtClean="0"/>
+              <a:t>Disconnect from a server</a:t>
+            </a:r>
+            <a:br>
+              <a:rPr lang="en-US" dirty="0" smtClean="0"/>
+            </a:br>
+            <a:r>
+              <a:rPr lang="en-US" sz="2400" b="1" dirty="0">
                 <a:solidFill>
                   <a:schemeClr val="tx1"/>
                 </a:solidFill>
                 <a:latin typeface="Courier New" panose="02070309020205020404" pitchFamily="49" charset="0"/>
                 <a:cs typeface="Courier New" panose="02070309020205020404" pitchFamily="49" charset="0"/>
               </a:rPr>
-              <a:t>(connection, </a:t>
-            </a:r>
-            <a:r>
-              <a:rPr lang="en-US" sz="2400" dirty="0" err="1">
+              <a:t>disconnect</a:t>
+            </a:r>
+            <a:r>
+              <a:rPr lang="en-US" sz="2400" dirty="0">
                 <a:solidFill>
                   <a:schemeClr val="tx1"/>
                 </a:solidFill>
                 <a:latin typeface="Courier New" panose="02070309020205020404" pitchFamily="49" charset="0"/>
                 <a:cs typeface="Courier New" panose="02070309020205020404" pitchFamily="49" charset="0"/>
               </a:rPr>
-              <a:t>modelId</a:t>
-            </a:r>
-            <a:r>
-              <a:rPr lang="en-US" sz="2400" dirty="0">
+              <a:t>(connection</a:t>
+            </a:r>
+            <a:r>
+              <a:rPr lang="en-US" sz="2400" dirty="0" smtClean="0">
                 <a:solidFill>
                   <a:schemeClr val="tx1"/>
                 </a:solidFill>
                 <a:latin typeface="Courier New" panose="02070309020205020404" pitchFamily="49" charset="0"/>
                 <a:cs typeface="Courier New" panose="02070309020205020404" pitchFamily="49" charset="0"/>
               </a:rPr>
-              <a:t>, notify, </a:t>
-            </a:r>
-            <a:r>
-              <a:rPr lang="en-US" sz="2400" dirty="0" err="1">
+              <a:t>)</a:t>
+            </a:r>
+            <a:br>
+              <a:rPr lang="en-US" sz="2400" dirty="0" smtClean="0">
                 <a:solidFill>
                   <a:schemeClr val="tx1"/>
                 </a:solidFill>
                 <a:latin typeface="Courier New" panose="02070309020205020404" pitchFamily="49" charset="0"/>
                 <a:cs typeface="Courier New" panose="02070309020205020404" pitchFamily="49" charset="0"/>
               </a:rPr>
-              <a:t>notifyError</a:t>
-            </a:r>
-            <a:r>
-              <a:rPr lang="en-US" sz="2400" dirty="0">
+            </a:br>
+            <a:endParaRPr lang="en-US" sz="2400" dirty="0">
+              <a:solidFill>
+                <a:schemeClr val="tx1"/>
+              </a:solidFill>
+              <a:latin typeface="Courier New" panose="02070309020205020404" pitchFamily="49" charset="0"/>
+              <a:cs typeface="Courier New" panose="02070309020205020404" pitchFamily="49" charset="0"/>
+            </a:endParaRPr>
+          </a:p>
+          <a:p>
+            <a:r>
+              <a:rPr lang="en-US" dirty="0" smtClean="0"/>
+              <a:t>Retrieve list of data models</a:t>
+            </a:r>
+            <a:br>
+              <a:rPr lang="en-US" dirty="0" smtClean="0"/>
+            </a:br>
+            <a:r>
+              <a:rPr lang="en-US" sz="2400" b="1" dirty="0" err="1">
                 <a:solidFill>
                   <a:schemeClr val="tx1"/>
                 </a:solidFill>
                 <a:latin typeface="Courier New" panose="02070309020205020404" pitchFamily="49" charset="0"/>
                 <a:cs typeface="Courier New" panose="02070309020205020404" pitchFamily="49" charset="0"/>
               </a:rPr>
-              <a:t>)</a:t>
-            </a:r>
-          </a:p>
-          <a:p>
-            <a:r>
-              <a:rPr lang="en-US" dirty="0" smtClean="0"/>
-              <a:t>Retrieve data records</a:t>
-            </a:r>
-            <a:br>
-              <a:rPr lang="en-US" dirty="0" smtClean="0"/>
-            </a:br>
-            <a:r>
-              <a:rPr lang="en-US" sz="2400" dirty="0" err="1">
+              <a:t>requestModelsMetadata</a:t>
+            </a:r>
+            <a:r>
+              <a:rPr lang="en-US" sz="2400" dirty="0">
                 <a:solidFill>
                   <a:schemeClr val="tx1"/>
                 </a:solidFill>
                 <a:latin typeface="Courier New" panose="02070309020205020404" pitchFamily="49" charset="0"/>
                 <a:cs typeface="Courier New" panose="02070309020205020404" pitchFamily="49" charset="0"/>
               </a:rPr>
-              <a:t>requestRecordsData</a:t>
-            </a:r>
-            <a:r>
-              <a:rPr lang="en-US" sz="2400" dirty="0">
+              <a:t>(connection, </a:t>
+            </a:r>
+            <a:r>
+              <a:rPr lang="en-US" sz="2400" dirty="0" err="1">
                 <a:solidFill>
                   <a:schemeClr val="tx1"/>
                 </a:solidFill>
                 <a:latin typeface="Courier New" panose="02070309020205020404" pitchFamily="49" charset="0"/>
                 <a:cs typeface="Courier New" panose="02070309020205020404" pitchFamily="49" charset="0"/>
               </a:rPr>
-              <a:t>(connection, </a:t>
-            </a:r>
-            <a:r>
-              <a:rPr lang="en-US" sz="2400" dirty="0" err="1">
+              <a:t>modelId</a:t>
+            </a:r>
+            <a:r>
+              <a:rPr lang="en-US" sz="2400" dirty="0">
                 <a:solidFill>
                   <a:schemeClr val="tx1"/>
                 </a:solidFill>
                 <a:latin typeface="Courier New" panose="02070309020205020404" pitchFamily="49" charset="0"/>
                 <a:cs typeface="Courier New" panose="02070309020205020404" pitchFamily="49" charset="0"/>
               </a:rPr>
-              <a:t>modelId</a:t>
-            </a:r>
-            <a:r>
-              <a:rPr lang="en-US" sz="2400" dirty="0">
+              <a:t>, notify, </a:t>
+            </a:r>
+            <a:r>
+              <a:rPr lang="en-US" sz="2400" dirty="0" err="1">
                 <a:solidFill>
                   <a:schemeClr val="tx1"/>
                 </a:solidFill>
                 <a:latin typeface="Courier New" panose="02070309020205020404" pitchFamily="49" charset="0"/>
                 <a:cs typeface="Courier New" panose="02070309020205020404" pitchFamily="49" charset="0"/>
               </a:rPr>
-              <a:t>, </a:t>
-            </a:r>
-            <a:r>
-              <a:rPr lang="en-US" sz="2400" dirty="0" err="1">
+              <a:t>notifyError</a:t>
+            </a:r>
+            <a:r>
+              <a:rPr lang="en-US" sz="2400" dirty="0" smtClean="0">
                 <a:solidFill>
                   <a:schemeClr val="tx1"/>
                 </a:solidFill>
                 <a:latin typeface="Courier New" panose="02070309020205020404" pitchFamily="49" charset="0"/>
                 <a:cs typeface="Courier New" panose="02070309020205020404" pitchFamily="49" charset="0"/>
               </a:rPr>
-              <a:t>maxRecords</a:t>
-            </a:r>
-            <a:r>
-              <a:rPr lang="en-US" sz="2400" dirty="0">
+              <a:t>)</a:t>
+            </a:r>
+            <a:br>
+              <a:rPr lang="en-US" sz="2400" dirty="0" smtClean="0">
                 <a:solidFill>
                   <a:schemeClr val="tx1"/>
                 </a:solidFill>
                 <a:latin typeface="Courier New" panose="02070309020205020404" pitchFamily="49" charset="0"/>
                 <a:cs typeface="Courier New" panose="02070309020205020404" pitchFamily="49" charset="0"/>
               </a:rPr>
-              <a:t>, </a:t>
-            </a:r>
-            <a:r>
-              <a:rPr lang="en-US" sz="2400" dirty="0" err="1">
+            </a:br>
+            <a:endParaRPr lang="en-US" sz="2400" dirty="0">
+              <a:solidFill>
+                <a:schemeClr val="tx1"/>
+              </a:solidFill>
+              <a:latin typeface="Courier New" panose="02070309020205020404" pitchFamily="49" charset="0"/>
+              <a:cs typeface="Courier New" panose="02070309020205020404" pitchFamily="49" charset="0"/>
+            </a:endParaRPr>
+          </a:p>
+          <a:p>
+            <a:r>
+              <a:rPr lang="en-US" dirty="0" smtClean="0"/>
+              <a:t>Retrieve data records</a:t>
+            </a:r>
+            <a:br>
+              <a:rPr lang="en-US" dirty="0" smtClean="0"/>
+            </a:br>
+            <a:r>
+              <a:rPr lang="en-US" sz="2400" b="1" dirty="0" err="1">
                 <a:solidFill>
                   <a:schemeClr val="tx1"/>
                 </a:solidFill>
                 <a:latin typeface="Courier New" panose="02070309020205020404" pitchFamily="49" charset="0"/>
                 <a:cs typeface="Courier New" panose="02070309020205020404" pitchFamily="49" charset="0"/>
               </a:rPr>
-              <a:t>variableIds</a:t>
+              <a:t>requestRecordsData</a:t>
             </a:r>
             <a:r>
               <a:rPr lang="en-US" sz="2400" dirty="0">
@@ -8382,7 +8428,7 @@
                 <a:latin typeface="Courier New" panose="02070309020205020404" pitchFamily="49" charset="0"/>
                 <a:cs typeface="Courier New" panose="02070309020205020404" pitchFamily="49" charset="0"/>
               </a:rPr>
-              <a:t>, </a:t>
+              <a:t>(connection, </a:t>
             </a:r>
             <a:r>
               <a:rPr lang="en-US" sz="2400" dirty="0" err="1">
@@ -8392,7 +8438,7 @@
                 <a:latin typeface="Courier New" panose="02070309020205020404" pitchFamily="49" charset="0"/>
                 <a:cs typeface="Courier New" panose="02070309020205020404" pitchFamily="49" charset="0"/>
               </a:rPr>
-              <a:t>bookmarkId</a:t>
+              <a:t>modelId</a:t>
             </a:r>
             <a:r>
               <a:rPr lang="en-US" sz="2400" dirty="0">
@@ -8402,7 +8448,7 @@
                 <a:latin typeface="Courier New" panose="02070309020205020404" pitchFamily="49" charset="0"/>
                 <a:cs typeface="Courier New" panose="02070309020205020404" pitchFamily="49" charset="0"/>
               </a:rPr>
-              <a:t>, notify, </a:t>
+              <a:t>, </a:t>
             </a:r>
             <a:r>
               <a:rPr lang="en-US" sz="2400" dirty="0" err="1">
@@ -8412,7 +8458,7 @@
                 <a:latin typeface="Courier New" panose="02070309020205020404" pitchFamily="49" charset="0"/>
                 <a:cs typeface="Courier New" panose="02070309020205020404" pitchFamily="49" charset="0"/>
               </a:rPr>
-              <a:t>notifyError</a:t>
+              <a:t>maxRecords</a:t>
             </a:r>
             <a:r>
               <a:rPr lang="en-US" sz="2400" dirty="0">
@@ -8422,8 +8468,84 @@
                 <a:latin typeface="Courier New" panose="02070309020205020404" pitchFamily="49" charset="0"/>
                 <a:cs typeface="Courier New" panose="02070309020205020404" pitchFamily="49" charset="0"/>
               </a:rPr>
+              <a:t>, </a:t>
+            </a:r>
+            <a:r>
+              <a:rPr lang="en-US" sz="2400" dirty="0" err="1">
+                <a:solidFill>
+                  <a:schemeClr val="tx1"/>
+                </a:solidFill>
+                <a:latin typeface="Courier New" panose="02070309020205020404" pitchFamily="49" charset="0"/>
+                <a:cs typeface="Courier New" panose="02070309020205020404" pitchFamily="49" charset="0"/>
+              </a:rPr>
+              <a:t>variableIds</a:t>
+            </a:r>
+            <a:r>
+              <a:rPr lang="en-US" sz="2400" dirty="0">
+                <a:solidFill>
+                  <a:schemeClr val="tx1"/>
+                </a:solidFill>
+                <a:latin typeface="Courier New" panose="02070309020205020404" pitchFamily="49" charset="0"/>
+                <a:cs typeface="Courier New" panose="02070309020205020404" pitchFamily="49" charset="0"/>
+              </a:rPr>
+              <a:t>, </a:t>
+            </a:r>
+            <a:r>
+              <a:rPr lang="en-US" sz="2400" dirty="0" err="1">
+                <a:solidFill>
+                  <a:schemeClr val="tx1"/>
+                </a:solidFill>
+                <a:latin typeface="Courier New" panose="02070309020205020404" pitchFamily="49" charset="0"/>
+                <a:cs typeface="Courier New" panose="02070309020205020404" pitchFamily="49" charset="0"/>
+              </a:rPr>
+              <a:t>bookmarkId</a:t>
+            </a:r>
+            <a:r>
+              <a:rPr lang="en-US" sz="2400" dirty="0">
+                <a:solidFill>
+                  <a:schemeClr val="tx1"/>
+                </a:solidFill>
+                <a:latin typeface="Courier New" panose="02070309020205020404" pitchFamily="49" charset="0"/>
+                <a:cs typeface="Courier New" panose="02070309020205020404" pitchFamily="49" charset="0"/>
+              </a:rPr>
+              <a:t>, notify, </a:t>
+            </a:r>
+            <a:r>
+              <a:rPr lang="en-US" sz="2400" dirty="0" err="1">
+                <a:solidFill>
+                  <a:schemeClr val="tx1"/>
+                </a:solidFill>
+                <a:latin typeface="Courier New" panose="02070309020205020404" pitchFamily="49" charset="0"/>
+                <a:cs typeface="Courier New" panose="02070309020205020404" pitchFamily="49" charset="0"/>
+              </a:rPr>
+              <a:t>notifyError</a:t>
+            </a:r>
+            <a:r>
+              <a:rPr lang="en-US" sz="2400" dirty="0" smtClean="0">
+                <a:solidFill>
+                  <a:schemeClr val="tx1"/>
+                </a:solidFill>
+                <a:latin typeface="Courier New" panose="02070309020205020404" pitchFamily="49" charset="0"/>
+                <a:cs typeface="Courier New" panose="02070309020205020404" pitchFamily="49" charset="0"/>
+              </a:rPr>
               <a:t>)</a:t>
             </a:r>
+            <a:br>
+              <a:rPr lang="en-US" sz="2400" dirty="0" smtClean="0">
+                <a:solidFill>
+                  <a:schemeClr val="tx1"/>
+                </a:solidFill>
+                <a:latin typeface="Courier New" panose="02070309020205020404" pitchFamily="49" charset="0"/>
+                <a:cs typeface="Courier New" panose="02070309020205020404" pitchFamily="49" charset="0"/>
+              </a:rPr>
+            </a:br>
+            <a:endParaRPr lang="en-US" sz="2400" dirty="0">
+              <a:solidFill>
+                <a:schemeClr val="tx1"/>
+              </a:solidFill>
+              <a:latin typeface="Courier New" panose="02070309020205020404" pitchFamily="49" charset="0"/>
+              <a:cs typeface="Courier New" panose="02070309020205020404" pitchFamily="49" charset="0"/>
+            </a:endParaRPr>
           </a:p>
           <a:p>
             <a:pPr>
@@ -8439,7 +8561,7 @@
               <a:rPr lang="en-US" dirty="0" smtClean="0"/>
             </a:br>
             <a:r>
-              <a:rPr lang="en-US" sz="2400" dirty="0" err="1">
+              <a:rPr lang="en-US" sz="2400" b="1" dirty="0" err="1">
                 <a:solidFill>
                   <a:schemeClr val="tx1"/>
                 </a:solidFill>
@@ -8509,7 +8631,7 @@
               <a:t>notifyError</a:t>
             </a:r>
             <a:r>
-              <a:rPr lang="en-US" sz="2400" dirty="0">
+              <a:rPr lang="en-US" sz="2400" dirty="0" smtClean="0">
                 <a:solidFill>
                   <a:schemeClr val="tx1"/>
                 </a:solidFill>
@@ -8518,64 +8640,100 @@
               </a:rPr>
               <a:t>)</a:t>
             </a:r>
-          </a:p>
-          <a:p>
-            <a:r>
-              <a:rPr lang="en-US" dirty="0" smtClean="0"/>
-              <a:t>Create/update a bookmark</a:t>
-            </a:r>
             <a:br>
-              <a:rPr lang="en-US" dirty="0" smtClean="0"/>
-            </a:br>
-            <a:r>
-              <a:rPr lang="en-US" sz="2400" dirty="0" err="1" smtClean="0">
+              <a:rPr lang="en-US" sz="2400" dirty="0" smtClean="0">
                 <a:solidFill>
                   <a:schemeClr val="tx1"/>
                 </a:solidFill>
                 <a:latin typeface="Courier New" panose="02070309020205020404" pitchFamily="49" charset="0"/>
                 <a:cs typeface="Courier New" panose="02070309020205020404" pitchFamily="49" charset="0"/>
               </a:rPr>
-              <a:t>requestSaveBookmark</a:t>
-            </a:r>
-            <a:r>
-              <a:rPr lang="en-US" sz="2400" dirty="0" smtClean="0">
+            </a:br>
+            <a:endParaRPr lang="en-US" sz="2400" dirty="0">
+              <a:solidFill>
+                <a:schemeClr val="tx1"/>
+              </a:solidFill>
+              <a:latin typeface="Courier New" panose="02070309020205020404" pitchFamily="49" charset="0"/>
+              <a:cs typeface="Courier New" panose="02070309020205020404" pitchFamily="49" charset="0"/>
+            </a:endParaRPr>
+          </a:p>
+          <a:p>
+            <a:r>
+              <a:rPr lang="en-US" dirty="0" smtClean="0"/>
+              <a:t>Create/update a bookmark</a:t>
+            </a:r>
+            <a:br>
+              <a:rPr lang="en-US" dirty="0" smtClean="0"/>
+            </a:br>
+            <a:r>
+              <a:rPr lang="en-US" sz="2400" b="1" dirty="0" err="1" smtClean="0">
                 <a:solidFill>
                   <a:schemeClr val="tx1"/>
                 </a:solidFill>
                 <a:latin typeface="Courier New" panose="02070309020205020404" pitchFamily="49" charset="0"/>
                 <a:cs typeface="Courier New" panose="02070309020205020404" pitchFamily="49" charset="0"/>
               </a:rPr>
-              <a:t>(connection</a:t>
-            </a:r>
-            <a:r>
-              <a:rPr lang="en-US" sz="2400" dirty="0">
+              <a:t>requestSaveBookmark</a:t>
+            </a:r>
+            <a:r>
+              <a:rPr lang="en-US" sz="2400" dirty="0" smtClean="0">
                 <a:solidFill>
                   <a:schemeClr val="tx1"/>
                 </a:solidFill>
                 <a:latin typeface="Courier New" panose="02070309020205020404" pitchFamily="49" charset="0"/>
                 <a:cs typeface="Courier New" panose="02070309020205020404" pitchFamily="49" charset="0"/>
               </a:rPr>
-              <a:t>, </a:t>
-            </a:r>
-            <a:r>
-              <a:rPr lang="en-US" sz="2400" dirty="0" err="1">
+              <a:t>(connection</a:t>
+            </a:r>
+            <a:r>
+              <a:rPr lang="en-US" sz="2400" dirty="0">
                 <a:solidFill>
                   <a:schemeClr val="tx1"/>
                 </a:solidFill>
                 <a:latin typeface="Courier New" panose="02070309020205020404" pitchFamily="49" charset="0"/>
                 <a:cs typeface="Courier New" panose="02070309020205020404" pitchFamily="49" charset="0"/>
               </a:rPr>
-              <a:t>modelId</a:t>
-            </a:r>
-            <a:r>
-              <a:rPr lang="en-US" sz="2400" dirty="0">
+              <a:t>, </a:t>
+            </a:r>
+            <a:r>
+              <a:rPr lang="en-US" sz="2400" dirty="0" err="1">
                 <a:solidFill>
                   <a:schemeClr val="tx1"/>
                 </a:solidFill>
                 <a:latin typeface="Courier New" panose="02070309020205020404" pitchFamily="49" charset="0"/>
                 <a:cs typeface="Courier New" panose="02070309020205020404" pitchFamily="49" charset="0"/>
               </a:rPr>
-              <a:t>, name, f, notify, </a:t>
+              <a:t>modelId</a:t>
+            </a:r>
+            <a:r>
+              <a:rPr lang="en-US" sz="2400" dirty="0">
+                <a:solidFill>
+                  <a:schemeClr val="tx1"/>
+                </a:solidFill>
+                <a:latin typeface="Courier New" panose="02070309020205020404" pitchFamily="49" charset="0"/>
+                <a:cs typeface="Courier New" panose="02070309020205020404" pitchFamily="49" charset="0"/>
+              </a:rPr>
+              <a:t>, name, </a:t>
+            </a:r>
+            <a:r>
+              <a:rPr lang="en-US" sz="2400" dirty="0" smtClean="0">
+                <a:solidFill>
+                  <a:schemeClr val="tx1"/>
+                </a:solidFill>
+                <a:latin typeface="Courier New" panose="02070309020205020404" pitchFamily="49" charset="0"/>
+                <a:cs typeface="Courier New" panose="02070309020205020404" pitchFamily="49" charset="0"/>
+              </a:rPr>
+              <a:t>filter, </a:t>
+            </a:r>
+            <a:r>
+              <a:rPr lang="en-US" sz="2400" dirty="0">
+                <a:solidFill>
+                  <a:schemeClr val="tx1"/>
+                </a:solidFill>
+                <a:latin typeface="Courier New" panose="02070309020205020404" pitchFamily="49" charset="0"/>
+                <a:cs typeface="Courier New" panose="02070309020205020404" pitchFamily="49" charset="0"/>
+              </a:rPr>
+              <a:t>notify, </a:t>
             </a:r>
             <a:r>
               <a:rPr lang="en-US" sz="2400" dirty="0" err="1">
@@ -8659,62 +8817,38 @@
           <a:chExt cx="0" cy="0"/>
         </a:xfrm>
       </p:grpSpPr>
-      <p:sp>
-        <p:nvSpPr>
-          <p:cNvPr id="40" name="Content Placeholder 39"/>
-          <p:cNvSpPr>
-            <a:spLocks noGrp="1"/>
-          </p:cNvSpPr>
+      <p:pic>
+        <p:nvPicPr>
+          <p:cNvPr id="4" name="Content Placeholder 3"/>
+          <p:cNvPicPr>
+            <a:picLocks noGrp="1" noChangeAspect="1"/>
+          </p:cNvPicPr>
           <p:nvPr>
             <p:ph idx="1"/>
           </p:nvPr>
-        </p:nvSpPr>
-        <p:spPr>
-          <a:xfrm>
-            <a:off x="4138569" y="827948"/>
-            <a:ext cx="4947727" cy="1746074"/>
-          </a:xfrm>
-        </p:spPr>
-        <p:txBody>
-          <a:bodyPr>
-            <a:normAutofit fontScale="85000" lnSpcReduction="10000"/>
-          </a:bodyPr>
-          <a:lstStyle/>
-          <a:p>
-            <a:pPr marL="0" indent="0">
-              <a:buNone/>
-            </a:pPr>
-            <a:r>
-              <a:rPr lang="en-US" dirty="0" smtClean="0"/>
-              <a:t>Sharing regardless of physical location</a:t>
-            </a:r>
-          </a:p>
-          <a:p>
-            <a:r>
-              <a:rPr lang="en-US" dirty="0" smtClean="0"/>
-              <a:t>Data</a:t>
-            </a:r>
-          </a:p>
-          <a:p>
-            <a:r>
-              <a:rPr lang="en-US" dirty="0" smtClean="0"/>
-              <a:t>Simulation results</a:t>
-            </a:r>
-          </a:p>
-          <a:p>
-            <a:r>
-              <a:rPr lang="en-US" dirty="0" smtClean="0"/>
-              <a:t>Bookmarks of data discoveries</a:t>
-            </a:r>
-          </a:p>
-          <a:p>
-            <a:endParaRPr lang="en-US" dirty="0" smtClean="0"/>
-          </a:p>
-        </p:txBody>
-      </p:sp>
-      <p:sp>
-        <p:nvSpPr>
-          <p:cNvPr id="2" name="Title 1"/>
+        </p:nvPicPr>
+        <p:blipFill>
+          <a:blip r:embed="rId2" cstate="email">
+            <a:extLst>
+              <a:ext uri="{28A0092B-C50C-407E-A947-70E740481C1C}">
+                <a14:useLocalDpi xmlns:a14="http://schemas.microsoft.com/office/drawing/2010/main" val="0"/>
+              </a:ext>
+            </a:extLst>
+          </a:blip>
+          <a:stretch>
+            <a:fillRect/>
+          </a:stretch>
+        </p:blipFill>
+        <p:spPr>
+          <a:xfrm>
+            <a:off x="461394" y="780176"/>
+            <a:ext cx="6350466" cy="5738070"/>
+          </a:xfrm>
+        </p:spPr>
+      </p:pic>
+      <p:sp>
+        <p:nvSpPr>
+          <p:cNvPr id="3" name="Title 2"/>
           <p:cNvSpPr>
             <a:spLocks noGrp="1"/>
           </p:cNvSpPr>
@@ -8728,440 +8862,194 @@
           <a:lstStyle/>
           <a:p>
             <a:r>
-              <a:rPr lang="en-US" dirty="0" smtClean="0"/>
-              <a:t>Possibilities for Collaborative Use</a:t>
-            </a:r>
-            <a:endParaRPr lang="en-US" dirty="0"/>
-          </a:p>
-        </p:txBody>
-      </p:sp>
-      <p:sp>
-        <p:nvSpPr>
-          <p:cNvPr id="3" name="Rectangle 2"/>
-          <p:cNvSpPr/>
+              <a:rPr lang="en-US" i="1" dirty="0" smtClean="0"/>
+              <a:t>Example Client Usage: </a:t>
+            </a:r>
+            <a:r>
+              <a:rPr lang="en-US" dirty="0" smtClean="0"/>
+              <a:t>Python</a:t>
+            </a:r>
+            <a:endParaRPr lang="en-US" i="1" dirty="0"/>
+          </a:p>
+        </p:txBody>
+      </p:sp>
+      <p:sp>
+        <p:nvSpPr>
+          <p:cNvPr id="6" name="TextBox 5"/>
+          <p:cNvSpPr txBox="1"/>
           <p:nvPr/>
         </p:nvSpPr>
         <p:spPr>
           <a:xfrm>
-            <a:off x="141902" y="1087772"/>
-            <a:ext cx="3591199" cy="2234267"/>
+            <a:off x="5589683" y="1091701"/>
+            <a:ext cx="1981312" cy="369332"/>
           </a:xfrm>
           <a:prstGeom prst="rect">
             <a:avLst/>
           </a:prstGeom>
-          <a:noFill/>
-        </p:spPr>
-        <p:style>
-          <a:lnRef idx="2">
-            <a:schemeClr val="accent1">
-              <a:shade val="50000"/>
-            </a:schemeClr>
-          </a:lnRef>
-          <a:fillRef idx="1">
-            <a:schemeClr val="accent1"/>
-          </a:fillRef>
-          <a:effectRef idx="0">
-            <a:schemeClr val="accent1"/>
-          </a:effectRef>
-          <a:fontRef idx="minor">
-            <a:schemeClr val="lt1"/>
-          </a:fontRef>
-        </p:style>
-        <p:txBody>
-          <a:bodyPr rtlCol="0" anchor="t"/>
+          <a:solidFill>
+            <a:srgbClr val="FFFFFF">
+              <a:alpha val="74902"/>
+            </a:srgbClr>
+          </a:solidFill>
+          <a:ln w="12700">
+            <a:solidFill>
+              <a:schemeClr val="accent5">
+                <a:lumMod val="60000"/>
+                <a:lumOff val="40000"/>
+              </a:schemeClr>
+            </a:solidFill>
+          </a:ln>
+        </p:spPr>
+        <p:txBody>
+          <a:bodyPr wrap="square" rtlCol="0">
+            <a:spAutoFit/>
+          </a:bodyPr>
           <a:lstStyle/>
           <a:p>
-            <a:pPr algn="ctr"/>
-            <a:r>
-              <a:rPr lang="en-US" i="1" dirty="0" smtClean="0"/>
-              <a:t>Team in ESIF B311</a:t>
-            </a:r>
-            <a:endParaRPr lang="en-US" i="1" dirty="0"/>
-          </a:p>
-        </p:txBody>
-      </p:sp>
-      <p:sp>
-        <p:nvSpPr>
-          <p:cNvPr id="4" name="Rectangle 3"/>
-          <p:cNvSpPr/>
-          <p:nvPr/>
-        </p:nvSpPr>
-        <p:spPr>
-          <a:xfrm>
-            <a:off x="269846" y="1478558"/>
-            <a:ext cx="2456575" cy="794159"/>
-          </a:xfrm>
-          <a:prstGeom prst="rect">
-            <a:avLst/>
-          </a:prstGeom>
-          <a:noFill/>
-        </p:spPr>
-        <p:style>
-          <a:lnRef idx="2">
-            <a:schemeClr val="accent1">
-              <a:shade val="50000"/>
-            </a:schemeClr>
-          </a:lnRef>
-          <a:fillRef idx="1">
-            <a:schemeClr val="accent1"/>
-          </a:fillRef>
-          <a:effectRef idx="0">
-            <a:schemeClr val="accent1"/>
-          </a:effectRef>
-          <a:fontRef idx="minor">
-            <a:schemeClr val="lt1"/>
-          </a:fontRef>
-        </p:style>
-        <p:txBody>
-          <a:bodyPr rtlCol="0" anchor="ctr"/>
-          <a:lstStyle/>
-          <a:p>
-            <a:pPr algn="ctr"/>
-            <a:r>
-              <a:rPr lang="en-US" dirty="0" smtClean="0"/>
-              <a:t>Staff Interacting with Immersive Visualization</a:t>
-            </a:r>
-            <a:endParaRPr lang="en-US" dirty="0"/>
-          </a:p>
-        </p:txBody>
-      </p:sp>
-      <p:sp>
-        <p:nvSpPr>
-          <p:cNvPr id="5" name="Rectangle 4"/>
-          <p:cNvSpPr/>
-          <p:nvPr/>
-        </p:nvSpPr>
-        <p:spPr>
-          <a:xfrm>
-            <a:off x="1039534" y="2371986"/>
-            <a:ext cx="2562837" cy="783672"/>
-          </a:xfrm>
-          <a:prstGeom prst="rect">
-            <a:avLst/>
-          </a:prstGeom>
-          <a:noFill/>
-        </p:spPr>
-        <p:style>
-          <a:lnRef idx="2">
-            <a:schemeClr val="accent1">
-              <a:shade val="50000"/>
-            </a:schemeClr>
-          </a:lnRef>
-          <a:fillRef idx="1">
-            <a:schemeClr val="accent1"/>
-          </a:fillRef>
-          <a:effectRef idx="0">
-            <a:schemeClr val="accent1"/>
-          </a:effectRef>
-          <a:fontRef idx="minor">
-            <a:schemeClr val="lt1"/>
-          </a:fontRef>
-        </p:style>
-        <p:txBody>
-          <a:bodyPr rtlCol="0" anchor="ctr"/>
-          <a:lstStyle/>
-          <a:p>
-            <a:pPr algn="ctr"/>
-            <a:r>
-              <a:rPr lang="en-US" dirty="0" smtClean="0"/>
-              <a:t>Statistician Designing Simulation Experiments</a:t>
-            </a:r>
-            <a:endParaRPr lang="en-US" dirty="0"/>
-          </a:p>
-        </p:txBody>
-      </p:sp>
-      <p:sp>
-        <p:nvSpPr>
-          <p:cNvPr id="6" name="Rectangle 5"/>
-          <p:cNvSpPr/>
-          <p:nvPr/>
-        </p:nvSpPr>
-        <p:spPr>
-          <a:xfrm>
-            <a:off x="5413701" y="4957894"/>
-            <a:ext cx="3547139" cy="1175855"/>
-          </a:xfrm>
-          <a:prstGeom prst="rect">
-            <a:avLst/>
-          </a:prstGeom>
-          <a:noFill/>
-        </p:spPr>
-        <p:style>
-          <a:lnRef idx="2">
-            <a:schemeClr val="accent1">
-              <a:shade val="50000"/>
-            </a:schemeClr>
-          </a:lnRef>
-          <a:fillRef idx="1">
-            <a:schemeClr val="accent1"/>
-          </a:fillRef>
-          <a:effectRef idx="0">
-            <a:schemeClr val="accent1"/>
-          </a:effectRef>
-          <a:fontRef idx="minor">
-            <a:schemeClr val="lt1"/>
-          </a:fontRef>
-        </p:style>
-        <p:txBody>
-          <a:bodyPr rtlCol="0" anchor="t"/>
-          <a:lstStyle/>
-          <a:p>
-            <a:pPr algn="ctr"/>
-            <a:r>
-              <a:rPr lang="en-US" i="1" dirty="0" smtClean="0"/>
-              <a:t>Team in NREL DC Conference Room</a:t>
-            </a:r>
-            <a:endParaRPr lang="en-US" i="1" dirty="0"/>
-          </a:p>
-        </p:txBody>
-      </p:sp>
-      <p:sp>
-        <p:nvSpPr>
-          <p:cNvPr id="7" name="Rectangle 6"/>
-          <p:cNvSpPr/>
-          <p:nvPr/>
-        </p:nvSpPr>
-        <p:spPr>
-          <a:xfrm>
-            <a:off x="5858319" y="5375946"/>
-            <a:ext cx="2715230" cy="640362"/>
-          </a:xfrm>
-          <a:prstGeom prst="rect">
-            <a:avLst/>
-          </a:prstGeom>
-          <a:noFill/>
-        </p:spPr>
-        <p:style>
-          <a:lnRef idx="2">
-            <a:schemeClr val="accent1">
-              <a:shade val="50000"/>
-            </a:schemeClr>
-          </a:lnRef>
-          <a:fillRef idx="1">
-            <a:schemeClr val="accent1"/>
-          </a:fillRef>
-          <a:effectRef idx="0">
-            <a:schemeClr val="accent1"/>
-          </a:effectRef>
-          <a:fontRef idx="minor">
-            <a:schemeClr val="lt1"/>
-          </a:fontRef>
-        </p:style>
-        <p:txBody>
-          <a:bodyPr rtlCol="0" anchor="ctr"/>
-          <a:lstStyle/>
-          <a:p>
-            <a:pPr algn="ctr"/>
-            <a:r>
-              <a:rPr lang="en-US" dirty="0" smtClean="0"/>
-              <a:t>Staff Remotely Interacting with Visualization</a:t>
-            </a:r>
-            <a:endParaRPr lang="en-US" dirty="0"/>
-          </a:p>
-        </p:txBody>
-      </p:sp>
-      <p:sp>
-        <p:nvSpPr>
-          <p:cNvPr id="8" name="Rectangle 7"/>
-          <p:cNvSpPr/>
-          <p:nvPr/>
-        </p:nvSpPr>
-        <p:spPr>
-          <a:xfrm>
-            <a:off x="141902" y="5903751"/>
-            <a:ext cx="4518869" cy="396381"/>
-          </a:xfrm>
-          <a:prstGeom prst="rect">
-            <a:avLst/>
-          </a:prstGeom>
-          <a:noFill/>
-        </p:spPr>
-        <p:style>
-          <a:lnRef idx="2">
-            <a:schemeClr val="accent1">
-              <a:shade val="50000"/>
-            </a:schemeClr>
-          </a:lnRef>
-          <a:fillRef idx="1">
-            <a:schemeClr val="accent1"/>
-          </a:fillRef>
-          <a:effectRef idx="0">
-            <a:schemeClr val="accent1"/>
-          </a:effectRef>
-          <a:fontRef idx="minor">
-            <a:schemeClr val="lt1"/>
-          </a:fontRef>
-        </p:style>
-        <p:txBody>
-          <a:bodyPr rtlCol="0" anchor="t"/>
-          <a:lstStyle/>
-          <a:p>
-            <a:pPr algn="ctr"/>
-            <a:r>
-              <a:rPr lang="en-US" dirty="0" smtClean="0"/>
-              <a:t>Compute Servers (Peregrine, AWS EC2, Other)</a:t>
-            </a:r>
-            <a:endParaRPr lang="en-US" dirty="0"/>
-          </a:p>
-        </p:txBody>
-      </p:sp>
-      <p:sp>
-        <p:nvSpPr>
-          <p:cNvPr id="9" name="Rectangle 8"/>
-          <p:cNvSpPr/>
-          <p:nvPr/>
-        </p:nvSpPr>
-        <p:spPr>
-          <a:xfrm>
-            <a:off x="5869892" y="2697056"/>
-            <a:ext cx="2483142" cy="1251357"/>
-          </a:xfrm>
-          <a:prstGeom prst="rect">
-            <a:avLst/>
-          </a:prstGeom>
-          <a:noFill/>
-        </p:spPr>
-        <p:style>
-          <a:lnRef idx="2">
-            <a:schemeClr val="accent1">
-              <a:shade val="50000"/>
-            </a:schemeClr>
-          </a:lnRef>
-          <a:fillRef idx="1">
-            <a:schemeClr val="accent1"/>
-          </a:fillRef>
-          <a:effectRef idx="0">
-            <a:schemeClr val="accent1"/>
-          </a:effectRef>
-          <a:fontRef idx="minor">
-            <a:schemeClr val="lt1"/>
-          </a:fontRef>
-        </p:style>
-        <p:txBody>
-          <a:bodyPr rtlCol="0" anchor="t"/>
-          <a:lstStyle/>
-          <a:p>
-            <a:pPr algn="ctr"/>
-            <a:r>
-              <a:rPr lang="en-US" i="1" dirty="0" smtClean="0"/>
-              <a:t>Office in RSF</a:t>
-            </a:r>
-            <a:endParaRPr lang="en-US" i="1" dirty="0"/>
-          </a:p>
-        </p:txBody>
-      </p:sp>
-      <p:sp>
-        <p:nvSpPr>
-          <p:cNvPr id="10" name="Rectangle 9"/>
-          <p:cNvSpPr/>
-          <p:nvPr/>
-        </p:nvSpPr>
-        <p:spPr>
-          <a:xfrm>
-            <a:off x="6058946" y="3155658"/>
-            <a:ext cx="2161556" cy="669721"/>
-          </a:xfrm>
-          <a:prstGeom prst="rect">
-            <a:avLst/>
-          </a:prstGeom>
-          <a:noFill/>
-        </p:spPr>
-        <p:style>
-          <a:lnRef idx="2">
-            <a:schemeClr val="accent1">
-              <a:shade val="50000"/>
-            </a:schemeClr>
-          </a:lnRef>
-          <a:fillRef idx="1">
-            <a:schemeClr val="accent1"/>
-          </a:fillRef>
-          <a:effectRef idx="0">
-            <a:schemeClr val="accent1"/>
-          </a:effectRef>
-          <a:fontRef idx="minor">
-            <a:schemeClr val="lt1"/>
-          </a:fontRef>
-        </p:style>
-        <p:txBody>
-          <a:bodyPr rtlCol="0" anchor="ctr"/>
-          <a:lstStyle/>
-          <a:p>
-            <a:pPr algn="ctr"/>
-            <a:r>
-              <a:rPr lang="en-US" dirty="0" smtClean="0"/>
-              <a:t>Analyst Viewing Bookmarked Data </a:t>
-            </a:r>
-            <a:endParaRPr lang="en-US" dirty="0"/>
-          </a:p>
-        </p:txBody>
-      </p:sp>
-      <p:sp>
-        <p:nvSpPr>
-          <p:cNvPr id="11" name="Rectangle 10"/>
-          <p:cNvSpPr/>
-          <p:nvPr/>
-        </p:nvSpPr>
-        <p:spPr>
-          <a:xfrm>
-            <a:off x="2626442" y="4135764"/>
-            <a:ext cx="2699146" cy="394284"/>
-          </a:xfrm>
-          <a:prstGeom prst="rect">
-            <a:avLst/>
-          </a:prstGeom>
-          <a:noFill/>
-        </p:spPr>
-        <p:style>
-          <a:lnRef idx="2">
-            <a:schemeClr val="accent1">
-              <a:shade val="50000"/>
-            </a:schemeClr>
-          </a:lnRef>
-          <a:fillRef idx="1">
-            <a:schemeClr val="accent1"/>
-          </a:fillRef>
-          <a:effectRef idx="0">
-            <a:schemeClr val="accent1"/>
-          </a:effectRef>
-          <a:fontRef idx="minor">
-            <a:schemeClr val="lt1"/>
-          </a:fontRef>
-        </p:style>
-        <p:txBody>
-          <a:bodyPr rtlCol="0" anchor="t"/>
-          <a:lstStyle/>
-          <a:p>
-            <a:pPr algn="ctr"/>
-            <a:r>
-              <a:rPr lang="en-US" dirty="0" smtClean="0"/>
-              <a:t>AESDS Records Servers</a:t>
-            </a:r>
-            <a:endParaRPr lang="en-US" dirty="0"/>
+            <a:r>
+              <a:rPr lang="en-US" dirty="0" smtClean="0">
+                <a:solidFill>
+                  <a:schemeClr val="accent5">
+                    <a:lumMod val="60000"/>
+                    <a:lumOff val="40000"/>
+                  </a:schemeClr>
+                </a:solidFill>
+              </a:rPr>
+              <a:t>Connect to server</a:t>
+            </a:r>
+            <a:endParaRPr lang="en-US" dirty="0">
+              <a:solidFill>
+                <a:schemeClr val="accent5">
+                  <a:lumMod val="60000"/>
+                  <a:lumOff val="40000"/>
+                </a:schemeClr>
+              </a:solidFill>
+            </a:endParaRPr>
           </a:p>
         </p:txBody>
       </p:sp>
       <p:cxnSp>
         <p:nvCxnSpPr>
-          <p:cNvPr id="16" name="Elbow Connector 15"/>
+          <p:cNvPr id="7" name="Straight Arrow Connector 6"/>
           <p:cNvCxnSpPr>
-            <a:stCxn id="11" idx="0"/>
-            <a:endCxn id="5" idx="2"/>
+            <a:stCxn id="6" idx="1"/>
           </p:cNvCxnSpPr>
           <p:nvPr/>
         </p:nvCxnSpPr>
         <p:spPr>
-          <a:xfrm rot="16200000" flipV="1">
-            <a:off x="2658431" y="2818180"/>
-            <a:ext cx="980106" cy="1655062"/>
-          </a:xfrm>
-          <a:prstGeom prst="bentConnector3">
-            <a:avLst>
-              <a:gd name="adj1" fmla="val 50000"/>
-            </a:avLst>
-          </a:prstGeom>
-          <a:ln>
-            <a:headEnd type="triangle" w="med" len="med"/>
-            <a:tailEnd type="triangle" w="med" len="med"/>
+          <a:xfrm flipH="1" flipV="1">
+            <a:off x="3783435" y="1091701"/>
+            <a:ext cx="1806248" cy="184666"/>
+          </a:xfrm>
+          <a:prstGeom prst="straightConnector1">
+            <a:avLst/>
+          </a:prstGeom>
+          <a:ln w="12700">
+            <a:solidFill>
+              <a:schemeClr val="accent5">
+                <a:lumMod val="60000"/>
+                <a:lumOff val="40000"/>
+              </a:schemeClr>
+            </a:solidFill>
+            <a:tailEnd type="triangle"/>
+          </a:ln>
+        </p:spPr>
+        <p:style>
+          <a:lnRef idx="1">
+            <a:schemeClr val="accent1"/>
+          </a:lnRef>
+          <a:fillRef idx="0">
+            <a:schemeClr val="accent1"/>
+          </a:fillRef>
+          <a:effectRef idx="0">
+            <a:schemeClr val="accent1"/>
+          </a:effectRef>
+          <a:fontRef idx="minor">
+            <a:schemeClr val="tx1"/>
+          </a:fontRef>
+        </p:style>
+      </p:cxnSp>
+      <p:sp>
+        <p:nvSpPr>
+          <p:cNvPr id="8" name="TextBox 7"/>
+          <p:cNvSpPr txBox="1"/>
+          <p:nvPr/>
+        </p:nvSpPr>
+        <p:spPr>
+          <a:xfrm>
+            <a:off x="5589682" y="1890237"/>
+            <a:ext cx="3394927" cy="369332"/>
+          </a:xfrm>
+          <a:prstGeom prst="rect">
+            <a:avLst/>
+          </a:prstGeom>
+          <a:solidFill>
+            <a:srgbClr val="FFFFFF">
+              <a:alpha val="74902"/>
+            </a:srgbClr>
+          </a:solidFill>
+          <a:ln w="12700">
+            <a:solidFill>
+              <a:schemeClr val="accent5">
+                <a:lumMod val="60000"/>
+                <a:lumOff val="40000"/>
+              </a:schemeClr>
+            </a:solidFill>
+          </a:ln>
+        </p:spPr>
+        <p:txBody>
+          <a:bodyPr wrap="square" rtlCol="0">
+            <a:spAutoFit/>
+          </a:bodyPr>
+          <a:lstStyle/>
+          <a:p>
+            <a:r>
+              <a:rPr lang="en-US" dirty="0" smtClean="0">
+                <a:solidFill>
+                  <a:schemeClr val="accent5">
+                    <a:lumMod val="60000"/>
+                    <a:lumOff val="40000"/>
+                  </a:schemeClr>
+                </a:solidFill>
+              </a:rPr>
+              <a:t>Discover data model and variables</a:t>
+            </a:r>
+            <a:endParaRPr lang="en-US" dirty="0">
+              <a:solidFill>
+                <a:schemeClr val="accent5">
+                  <a:lumMod val="60000"/>
+                  <a:lumOff val="40000"/>
+                </a:schemeClr>
+              </a:solidFill>
+            </a:endParaRPr>
+          </a:p>
+        </p:txBody>
+      </p:sp>
+      <p:cxnSp>
+        <p:nvCxnSpPr>
+          <p:cNvPr id="9" name="Straight Arrow Connector 8"/>
+          <p:cNvCxnSpPr>
+            <a:stCxn id="8" idx="1"/>
+          </p:cNvCxnSpPr>
+          <p:nvPr/>
+        </p:nvCxnSpPr>
+        <p:spPr>
+          <a:xfrm flipH="1" flipV="1">
+            <a:off x="4144162" y="1705224"/>
+            <a:ext cx="1445520" cy="369679"/>
+          </a:xfrm>
+          <a:prstGeom prst="straightConnector1">
+            <a:avLst/>
+          </a:prstGeom>
+          <a:ln w="12700">
+            <a:solidFill>
+              <a:schemeClr val="accent5">
+                <a:lumMod val="60000"/>
+                <a:lumOff val="40000"/>
+              </a:schemeClr>
+            </a:solidFill>
+            <a:tailEnd type="triangle"/>
           </a:ln>
         </p:spPr>
         <p:style>
@@ -9181,24 +9069,319 @@
       </p:cxnSp>
       <p:cxnSp>
         <p:nvCxnSpPr>
-          <p:cNvPr id="20" name="Elbow Connector 19"/>
+          <p:cNvPr id="11" name="Straight Arrow Connector 10"/>
           <p:cNvCxnSpPr>
-            <a:stCxn id="11" idx="1"/>
-            <a:endCxn id="8" idx="0"/>
+            <a:stCxn id="8" idx="1"/>
           </p:cNvCxnSpPr>
           <p:nvPr/>
         </p:nvCxnSpPr>
         <p:spPr>
-          <a:xfrm rot="10800000" flipV="1">
-            <a:off x="2401338" y="4332905"/>
-            <a:ext cx="225105" cy="1570845"/>
-          </a:xfrm>
-          <a:prstGeom prst="bentConnector2">
-            <a:avLst/>
-          </a:prstGeom>
-          <a:ln>
-            <a:headEnd type="triangle" w="med" len="med"/>
-            <a:tailEnd type="triangle" w="med" len="med"/>
+          <a:xfrm flipH="1">
+            <a:off x="2852257" y="2074903"/>
+            <a:ext cx="2737425" cy="405228"/>
+          </a:xfrm>
+          <a:prstGeom prst="straightConnector1">
+            <a:avLst/>
+          </a:prstGeom>
+          <a:ln w="12700">
+            <a:solidFill>
+              <a:schemeClr val="accent5">
+                <a:lumMod val="60000"/>
+                <a:lumOff val="40000"/>
+              </a:schemeClr>
+            </a:solidFill>
+            <a:tailEnd type="triangle"/>
+          </a:ln>
+        </p:spPr>
+        <p:style>
+          <a:lnRef idx="1">
+            <a:schemeClr val="accent1"/>
+          </a:lnRef>
+          <a:fillRef idx="0">
+            <a:schemeClr val="accent1"/>
+          </a:fillRef>
+          <a:effectRef idx="0">
+            <a:schemeClr val="accent1"/>
+          </a:effectRef>
+          <a:fontRef idx="minor">
+            <a:schemeClr val="tx1"/>
+          </a:fontRef>
+        </p:style>
+      </p:cxnSp>
+      <p:sp>
+        <p:nvSpPr>
+          <p:cNvPr id="16" name="TextBox 15"/>
+          <p:cNvSpPr txBox="1"/>
+          <p:nvPr/>
+        </p:nvSpPr>
+        <p:spPr>
+          <a:xfrm>
+            <a:off x="6111198" y="2602439"/>
+            <a:ext cx="1581507" cy="369332"/>
+          </a:xfrm>
+          <a:prstGeom prst="rect">
+            <a:avLst/>
+          </a:prstGeom>
+          <a:solidFill>
+            <a:srgbClr val="FFFFFF">
+              <a:alpha val="74902"/>
+            </a:srgbClr>
+          </a:solidFill>
+          <a:ln w="12700">
+            <a:solidFill>
+              <a:schemeClr val="accent5">
+                <a:lumMod val="60000"/>
+                <a:lumOff val="40000"/>
+              </a:schemeClr>
+            </a:solidFill>
+          </a:ln>
+        </p:spPr>
+        <p:txBody>
+          <a:bodyPr wrap="square" rtlCol="0">
+            <a:spAutoFit/>
+          </a:bodyPr>
+          <a:lstStyle/>
+          <a:p>
+            <a:r>
+              <a:rPr lang="en-US" dirty="0" smtClean="0">
+                <a:solidFill>
+                  <a:schemeClr val="accent5">
+                    <a:lumMod val="60000"/>
+                    <a:lumOff val="40000"/>
+                  </a:schemeClr>
+                </a:solidFill>
+              </a:rPr>
+              <a:t>List bookmarks</a:t>
+            </a:r>
+            <a:endParaRPr lang="en-US" dirty="0">
+              <a:solidFill>
+                <a:schemeClr val="accent5">
+                  <a:lumMod val="60000"/>
+                  <a:lumOff val="40000"/>
+                </a:schemeClr>
+              </a:solidFill>
+            </a:endParaRPr>
+          </a:p>
+        </p:txBody>
+      </p:sp>
+      <p:cxnSp>
+        <p:nvCxnSpPr>
+          <p:cNvPr id="17" name="Straight Arrow Connector 16"/>
+          <p:cNvCxnSpPr>
+            <a:stCxn id="16" idx="1"/>
+          </p:cNvCxnSpPr>
+          <p:nvPr/>
+        </p:nvCxnSpPr>
+        <p:spPr>
+          <a:xfrm flipH="1">
+            <a:off x="3474444" y="2787105"/>
+            <a:ext cx="2636754" cy="573728"/>
+          </a:xfrm>
+          <a:prstGeom prst="straightConnector1">
+            <a:avLst/>
+          </a:prstGeom>
+          <a:ln w="12700">
+            <a:solidFill>
+              <a:schemeClr val="accent5">
+                <a:lumMod val="60000"/>
+                <a:lumOff val="40000"/>
+              </a:schemeClr>
+            </a:solidFill>
+            <a:tailEnd type="triangle"/>
+          </a:ln>
+        </p:spPr>
+        <p:style>
+          <a:lnRef idx="1">
+            <a:schemeClr val="accent1"/>
+          </a:lnRef>
+          <a:fillRef idx="0">
+            <a:schemeClr val="accent1"/>
+          </a:fillRef>
+          <a:effectRef idx="0">
+            <a:schemeClr val="accent1"/>
+          </a:effectRef>
+          <a:fontRef idx="minor">
+            <a:schemeClr val="tx1"/>
+          </a:fontRef>
+        </p:style>
+      </p:cxnSp>
+      <p:sp>
+        <p:nvSpPr>
+          <p:cNvPr id="18" name="TextBox 17"/>
+          <p:cNvSpPr txBox="1"/>
+          <p:nvPr/>
+        </p:nvSpPr>
+        <p:spPr>
+          <a:xfrm>
+            <a:off x="6548824" y="3295411"/>
+            <a:ext cx="2007948" cy="369332"/>
+          </a:xfrm>
+          <a:prstGeom prst="rect">
+            <a:avLst/>
+          </a:prstGeom>
+          <a:solidFill>
+            <a:srgbClr val="FFFFFF">
+              <a:alpha val="74902"/>
+            </a:srgbClr>
+          </a:solidFill>
+          <a:ln w="12700">
+            <a:solidFill>
+              <a:schemeClr val="accent5">
+                <a:lumMod val="60000"/>
+                <a:lumOff val="40000"/>
+              </a:schemeClr>
+            </a:solidFill>
+          </a:ln>
+        </p:spPr>
+        <p:txBody>
+          <a:bodyPr wrap="square" rtlCol="0">
+            <a:spAutoFit/>
+          </a:bodyPr>
+          <a:lstStyle/>
+          <a:p>
+            <a:r>
+              <a:rPr lang="en-US" dirty="0" smtClean="0">
+                <a:solidFill>
+                  <a:schemeClr val="accent5">
+                    <a:lumMod val="60000"/>
+                    <a:lumOff val="40000"/>
+                  </a:schemeClr>
+                </a:solidFill>
+              </a:rPr>
+              <a:t>Retrieve some data</a:t>
+            </a:r>
+            <a:endParaRPr lang="en-US" dirty="0">
+              <a:solidFill>
+                <a:schemeClr val="accent5">
+                  <a:lumMod val="60000"/>
+                  <a:lumOff val="40000"/>
+                </a:schemeClr>
+              </a:solidFill>
+            </a:endParaRPr>
+          </a:p>
+        </p:txBody>
+      </p:sp>
+      <p:cxnSp>
+        <p:nvCxnSpPr>
+          <p:cNvPr id="19" name="Straight Arrow Connector 18"/>
+          <p:cNvCxnSpPr>
+            <a:stCxn id="18" idx="1"/>
+          </p:cNvCxnSpPr>
+          <p:nvPr/>
+        </p:nvCxnSpPr>
+        <p:spPr>
+          <a:xfrm flipH="1">
+            <a:off x="3912070" y="3480077"/>
+            <a:ext cx="2636754" cy="573728"/>
+          </a:xfrm>
+          <a:prstGeom prst="straightConnector1">
+            <a:avLst/>
+          </a:prstGeom>
+          <a:ln w="12700">
+            <a:solidFill>
+              <a:schemeClr val="accent5">
+                <a:lumMod val="60000"/>
+                <a:lumOff val="40000"/>
+              </a:schemeClr>
+            </a:solidFill>
+            <a:tailEnd type="triangle"/>
+          </a:ln>
+        </p:spPr>
+        <p:style>
+          <a:lnRef idx="1">
+            <a:schemeClr val="accent1"/>
+          </a:lnRef>
+          <a:fillRef idx="0">
+            <a:schemeClr val="accent1"/>
+          </a:fillRef>
+          <a:effectRef idx="0">
+            <a:schemeClr val="accent1"/>
+          </a:effectRef>
+          <a:fontRef idx="minor">
+            <a:schemeClr val="tx1"/>
+          </a:fontRef>
+        </p:style>
+      </p:cxnSp>
+      <p:sp>
+        <p:nvSpPr>
+          <p:cNvPr id="20" name="TextBox 19"/>
+          <p:cNvSpPr txBox="1"/>
+          <p:nvPr/>
+        </p:nvSpPr>
+        <p:spPr>
+          <a:xfrm>
+            <a:off x="6466332" y="5031847"/>
+            <a:ext cx="2333720" cy="369332"/>
+          </a:xfrm>
+          <a:prstGeom prst="rect">
+            <a:avLst/>
+          </a:prstGeom>
+          <a:solidFill>
+            <a:srgbClr val="FFFFFF">
+              <a:alpha val="74902"/>
+            </a:srgbClr>
+          </a:solidFill>
+          <a:ln w="12700">
+            <a:solidFill>
+              <a:schemeClr val="accent5">
+                <a:lumMod val="60000"/>
+                <a:lumOff val="40000"/>
+              </a:schemeClr>
+            </a:solidFill>
+          </a:ln>
+        </p:spPr>
+        <p:txBody>
+          <a:bodyPr wrap="square" rtlCol="0">
+            <a:spAutoFit/>
+          </a:bodyPr>
+          <a:lstStyle/>
+          <a:p>
+            <a:r>
+              <a:rPr lang="en-US" dirty="0" smtClean="0">
+                <a:solidFill>
+                  <a:schemeClr val="accent5">
+                    <a:lumMod val="60000"/>
+                    <a:lumOff val="40000"/>
+                  </a:schemeClr>
+                </a:solidFill>
+              </a:rPr>
+              <a:t>Create new bookmarks</a:t>
+            </a:r>
+            <a:endParaRPr lang="en-US" dirty="0">
+              <a:solidFill>
+                <a:schemeClr val="accent5">
+                  <a:lumMod val="60000"/>
+                  <a:lumOff val="40000"/>
+                </a:schemeClr>
+              </a:solidFill>
+            </a:endParaRPr>
+          </a:p>
+        </p:txBody>
+      </p:sp>
+      <p:cxnSp>
+        <p:nvCxnSpPr>
+          <p:cNvPr id="21" name="Straight Arrow Connector 20"/>
+          <p:cNvCxnSpPr>
+            <a:stCxn id="20" idx="1"/>
+          </p:cNvCxnSpPr>
+          <p:nvPr/>
+        </p:nvCxnSpPr>
+        <p:spPr>
+          <a:xfrm flipH="1">
+            <a:off x="3829578" y="5216513"/>
+            <a:ext cx="2636754" cy="573728"/>
+          </a:xfrm>
+          <a:prstGeom prst="straightConnector1">
+            <a:avLst/>
+          </a:prstGeom>
+          <a:ln w="12700">
+            <a:solidFill>
+              <a:schemeClr val="accent5">
+                <a:lumMod val="60000"/>
+                <a:lumOff val="40000"/>
+              </a:schemeClr>
+            </a:solidFill>
+            <a:tailEnd type="triangle"/>
           </a:ln>
         </p:spPr>
         <p:style>
@@ -9218,24 +9401,28 @@
       </p:cxnSp>
       <p:cxnSp>
         <p:nvCxnSpPr>
-          <p:cNvPr id="21" name="Elbow Connector 20"/>
+          <p:cNvPr id="22" name="Straight Arrow Connector 21"/>
           <p:cNvCxnSpPr>
-            <a:stCxn id="10" idx="2"/>
-            <a:endCxn id="11" idx="3"/>
+            <a:stCxn id="18" idx="1"/>
           </p:cNvCxnSpPr>
           <p:nvPr/>
         </p:nvCxnSpPr>
         <p:spPr>
-          <a:xfrm rot="5400000">
-            <a:off x="5978893" y="3172074"/>
-            <a:ext cx="507527" cy="1814136"/>
-          </a:xfrm>
-          <a:prstGeom prst="bentConnector2">
-            <a:avLst/>
-          </a:prstGeom>
-          <a:ln>
-            <a:headEnd type="triangle" w="med" len="med"/>
-            <a:tailEnd type="triangle" w="med" len="med"/>
+          <a:xfrm flipH="1">
+            <a:off x="3078762" y="3480077"/>
+            <a:ext cx="3470062" cy="1653985"/>
+          </a:xfrm>
+          <a:prstGeom prst="straightConnector1">
+            <a:avLst/>
+          </a:prstGeom>
+          <a:ln w="12700">
+            <a:solidFill>
+              <a:schemeClr val="accent5">
+                <a:lumMod val="60000"/>
+                <a:lumOff val="40000"/>
+              </a:schemeClr>
+            </a:solidFill>
+            <a:tailEnd type="triangle"/>
           </a:ln>
         </p:spPr>
         <p:style>
@@ -9255,61 +9442,28 @@
       </p:cxnSp>
       <p:cxnSp>
         <p:nvCxnSpPr>
-          <p:cNvPr id="22" name="Elbow Connector 21"/>
+          <p:cNvPr id="25" name="Straight Arrow Connector 24"/>
           <p:cNvCxnSpPr>
-            <a:stCxn id="4" idx="3"/>
-            <a:endCxn id="11" idx="0"/>
+            <a:stCxn id="20" idx="1"/>
           </p:cNvCxnSpPr>
           <p:nvPr/>
         </p:nvCxnSpPr>
         <p:spPr>
-          <a:xfrm>
-            <a:off x="2726421" y="1875638"/>
-            <a:ext cx="1249594" cy="2260126"/>
-          </a:xfrm>
-          <a:prstGeom prst="bentConnector2">
-            <a:avLst/>
-          </a:prstGeom>
-          <a:ln>
-            <a:headEnd type="triangle" w="med" len="med"/>
-            <a:tailEnd type="triangle" w="med" len="med"/>
-          </a:ln>
-        </p:spPr>
-        <p:style>
-          <a:lnRef idx="1">
-            <a:schemeClr val="accent1"/>
-          </a:lnRef>
-          <a:fillRef idx="0">
-            <a:schemeClr val="accent1"/>
-          </a:fillRef>
-          <a:effectRef idx="0">
-            <a:schemeClr val="accent1"/>
-          </a:effectRef>
-          <a:fontRef idx="minor">
-            <a:schemeClr val="tx1"/>
-          </a:fontRef>
-        </p:style>
-      </p:cxnSp>
-      <p:cxnSp>
-        <p:nvCxnSpPr>
-          <p:cNvPr id="23" name="Elbow Connector 22"/>
-          <p:cNvCxnSpPr>
-            <a:stCxn id="11" idx="2"/>
-            <a:endCxn id="7" idx="1"/>
-          </p:cNvCxnSpPr>
-          <p:nvPr/>
-        </p:nvCxnSpPr>
-        <p:spPr>
-          <a:xfrm rot="16200000" flipH="1">
-            <a:off x="4334128" y="4171935"/>
-            <a:ext cx="1166079" cy="1882304"/>
-          </a:xfrm>
-          <a:prstGeom prst="bentConnector2">
-            <a:avLst/>
-          </a:prstGeom>
-          <a:ln>
-            <a:headEnd type="triangle" w="med" len="med"/>
-            <a:tailEnd type="triangle" w="med" len="med"/>
+          <a:xfrm flipH="1">
+            <a:off x="4144162" y="5216513"/>
+            <a:ext cx="2322170" cy="1116720"/>
+          </a:xfrm>
+          <a:prstGeom prst="straightConnector1">
+            <a:avLst/>
+          </a:prstGeom>
+          <a:ln w="12700">
+            <a:solidFill>
+              <a:schemeClr val="accent5">
+                <a:lumMod val="60000"/>
+                <a:lumOff val="40000"/>
+              </a:schemeClr>
+            </a:solidFill>
+            <a:tailEnd type="triangle"/>
           </a:ln>
         </p:spPr>
         <p:style>
@@ -9330,7 +9484,7 @@
     </p:spTree>
     <p:extLst>
       <p:ext uri="{BB962C8B-B14F-4D97-AF65-F5344CB8AC3E}">
-        <p14:creationId xmlns:p14="http://schemas.microsoft.com/office/powerpoint/2010/main" val="2934414557"/>
+        <p14:creationId xmlns:p14="http://schemas.microsoft.com/office/powerpoint/2010/main" val="519914176"/>
       </p:ext>
     </p:extLst>
   </p:cSld>
@@ -9359,6 +9513,704 @@
       </p:grpSpPr>
       <p:sp>
         <p:nvSpPr>
+          <p:cNvPr id="40" name="Content Placeholder 39"/>
+          <p:cNvSpPr>
+            <a:spLocks noGrp="1"/>
+          </p:cNvSpPr>
+          <p:nvPr>
+            <p:ph idx="1"/>
+          </p:nvPr>
+        </p:nvSpPr>
+        <p:spPr>
+          <a:xfrm>
+            <a:off x="4138569" y="827948"/>
+            <a:ext cx="4947727" cy="1746074"/>
+          </a:xfrm>
+        </p:spPr>
+        <p:txBody>
+          <a:bodyPr>
+            <a:normAutofit fontScale="85000" lnSpcReduction="10000"/>
+          </a:bodyPr>
+          <a:lstStyle/>
+          <a:p>
+            <a:pPr marL="0" indent="0">
+              <a:buNone/>
+            </a:pPr>
+            <a:r>
+              <a:rPr lang="en-US" dirty="0" smtClean="0"/>
+              <a:t>Sharing regardless of physical location</a:t>
+            </a:r>
+          </a:p>
+          <a:p>
+            <a:r>
+              <a:rPr lang="en-US" dirty="0" smtClean="0"/>
+              <a:t>Data</a:t>
+            </a:r>
+          </a:p>
+          <a:p>
+            <a:r>
+              <a:rPr lang="en-US" dirty="0" smtClean="0"/>
+              <a:t>Simulation results</a:t>
+            </a:r>
+          </a:p>
+          <a:p>
+            <a:r>
+              <a:rPr lang="en-US" dirty="0" smtClean="0"/>
+              <a:t>Bookmarks of data discoveries</a:t>
+            </a:r>
+          </a:p>
+          <a:p>
+            <a:endParaRPr lang="en-US" dirty="0" smtClean="0"/>
+          </a:p>
+        </p:txBody>
+      </p:sp>
+      <p:sp>
+        <p:nvSpPr>
+          <p:cNvPr id="2" name="Title 1"/>
+          <p:cNvSpPr>
+            <a:spLocks noGrp="1"/>
+          </p:cNvSpPr>
+          <p:nvPr>
+            <p:ph type="title"/>
+          </p:nvPr>
+        </p:nvSpPr>
+        <p:spPr/>
+        <p:txBody>
+          <a:bodyPr/>
+          <a:lstStyle/>
+          <a:p>
+            <a:r>
+              <a:rPr lang="en-US" dirty="0" smtClean="0"/>
+              <a:t>Possibilities for Collaborative Use</a:t>
+            </a:r>
+            <a:endParaRPr lang="en-US" dirty="0"/>
+          </a:p>
+        </p:txBody>
+      </p:sp>
+      <p:sp>
+        <p:nvSpPr>
+          <p:cNvPr id="3" name="Rectangle 2"/>
+          <p:cNvSpPr/>
+          <p:nvPr/>
+        </p:nvSpPr>
+        <p:spPr>
+          <a:xfrm>
+            <a:off x="141902" y="1087772"/>
+            <a:ext cx="3591199" cy="2234267"/>
+          </a:xfrm>
+          <a:prstGeom prst="rect">
+            <a:avLst/>
+          </a:prstGeom>
+          <a:noFill/>
+        </p:spPr>
+        <p:style>
+          <a:lnRef idx="2">
+            <a:schemeClr val="accent1">
+              <a:shade val="50000"/>
+            </a:schemeClr>
+          </a:lnRef>
+          <a:fillRef idx="1">
+            <a:schemeClr val="accent1"/>
+          </a:fillRef>
+          <a:effectRef idx="0">
+            <a:schemeClr val="accent1"/>
+          </a:effectRef>
+          <a:fontRef idx="minor">
+            <a:schemeClr val="lt1"/>
+          </a:fontRef>
+        </p:style>
+        <p:txBody>
+          <a:bodyPr rtlCol="0" anchor="t"/>
+          <a:lstStyle/>
+          <a:p>
+            <a:pPr algn="ctr"/>
+            <a:r>
+              <a:rPr lang="en-US" i="1" dirty="0" smtClean="0"/>
+              <a:t>Team in ESIF B311</a:t>
+            </a:r>
+            <a:endParaRPr lang="en-US" i="1" dirty="0"/>
+          </a:p>
+        </p:txBody>
+      </p:sp>
+      <p:sp>
+        <p:nvSpPr>
+          <p:cNvPr id="4" name="Rectangle 3"/>
+          <p:cNvSpPr/>
+          <p:nvPr/>
+        </p:nvSpPr>
+        <p:spPr>
+          <a:xfrm>
+            <a:off x="269846" y="1478558"/>
+            <a:ext cx="2456575" cy="794159"/>
+          </a:xfrm>
+          <a:prstGeom prst="rect">
+            <a:avLst/>
+          </a:prstGeom>
+          <a:noFill/>
+        </p:spPr>
+        <p:style>
+          <a:lnRef idx="2">
+            <a:schemeClr val="accent1">
+              <a:shade val="50000"/>
+            </a:schemeClr>
+          </a:lnRef>
+          <a:fillRef idx="1">
+            <a:schemeClr val="accent1"/>
+          </a:fillRef>
+          <a:effectRef idx="0">
+            <a:schemeClr val="accent1"/>
+          </a:effectRef>
+          <a:fontRef idx="minor">
+            <a:schemeClr val="lt1"/>
+          </a:fontRef>
+        </p:style>
+        <p:txBody>
+          <a:bodyPr rtlCol="0" anchor="ctr"/>
+          <a:lstStyle/>
+          <a:p>
+            <a:pPr algn="ctr"/>
+            <a:r>
+              <a:rPr lang="en-US" dirty="0" smtClean="0"/>
+              <a:t>Staff Interacting with Immersive Visualization</a:t>
+            </a:r>
+            <a:endParaRPr lang="en-US" dirty="0"/>
+          </a:p>
+        </p:txBody>
+      </p:sp>
+      <p:sp>
+        <p:nvSpPr>
+          <p:cNvPr id="5" name="Rectangle 4"/>
+          <p:cNvSpPr/>
+          <p:nvPr/>
+        </p:nvSpPr>
+        <p:spPr>
+          <a:xfrm>
+            <a:off x="1039534" y="2371986"/>
+            <a:ext cx="2562837" cy="783672"/>
+          </a:xfrm>
+          <a:prstGeom prst="rect">
+            <a:avLst/>
+          </a:prstGeom>
+          <a:noFill/>
+        </p:spPr>
+        <p:style>
+          <a:lnRef idx="2">
+            <a:schemeClr val="accent1">
+              <a:shade val="50000"/>
+            </a:schemeClr>
+          </a:lnRef>
+          <a:fillRef idx="1">
+            <a:schemeClr val="accent1"/>
+          </a:fillRef>
+          <a:effectRef idx="0">
+            <a:schemeClr val="accent1"/>
+          </a:effectRef>
+          <a:fontRef idx="minor">
+            <a:schemeClr val="lt1"/>
+          </a:fontRef>
+        </p:style>
+        <p:txBody>
+          <a:bodyPr rtlCol="0" anchor="ctr"/>
+          <a:lstStyle/>
+          <a:p>
+            <a:pPr algn="ctr"/>
+            <a:r>
+              <a:rPr lang="en-US" dirty="0" smtClean="0"/>
+              <a:t>Statistician Designing Simulation Experiments</a:t>
+            </a:r>
+            <a:endParaRPr lang="en-US" dirty="0"/>
+          </a:p>
+        </p:txBody>
+      </p:sp>
+      <p:sp>
+        <p:nvSpPr>
+          <p:cNvPr id="6" name="Rectangle 5"/>
+          <p:cNvSpPr/>
+          <p:nvPr/>
+        </p:nvSpPr>
+        <p:spPr>
+          <a:xfrm>
+            <a:off x="5413701" y="4957894"/>
+            <a:ext cx="3547139" cy="1175855"/>
+          </a:xfrm>
+          <a:prstGeom prst="rect">
+            <a:avLst/>
+          </a:prstGeom>
+          <a:noFill/>
+        </p:spPr>
+        <p:style>
+          <a:lnRef idx="2">
+            <a:schemeClr val="accent1">
+              <a:shade val="50000"/>
+            </a:schemeClr>
+          </a:lnRef>
+          <a:fillRef idx="1">
+            <a:schemeClr val="accent1"/>
+          </a:fillRef>
+          <a:effectRef idx="0">
+            <a:schemeClr val="accent1"/>
+          </a:effectRef>
+          <a:fontRef idx="minor">
+            <a:schemeClr val="lt1"/>
+          </a:fontRef>
+        </p:style>
+        <p:txBody>
+          <a:bodyPr rtlCol="0" anchor="t"/>
+          <a:lstStyle/>
+          <a:p>
+            <a:pPr algn="ctr"/>
+            <a:r>
+              <a:rPr lang="en-US" i="1" dirty="0" smtClean="0"/>
+              <a:t>Team in NREL DC Conference Room</a:t>
+            </a:r>
+            <a:endParaRPr lang="en-US" i="1" dirty="0"/>
+          </a:p>
+        </p:txBody>
+      </p:sp>
+      <p:sp>
+        <p:nvSpPr>
+          <p:cNvPr id="7" name="Rectangle 6"/>
+          <p:cNvSpPr/>
+          <p:nvPr/>
+        </p:nvSpPr>
+        <p:spPr>
+          <a:xfrm>
+            <a:off x="5858319" y="5375946"/>
+            <a:ext cx="2715230" cy="640362"/>
+          </a:xfrm>
+          <a:prstGeom prst="rect">
+            <a:avLst/>
+          </a:prstGeom>
+          <a:noFill/>
+        </p:spPr>
+        <p:style>
+          <a:lnRef idx="2">
+            <a:schemeClr val="accent1">
+              <a:shade val="50000"/>
+            </a:schemeClr>
+          </a:lnRef>
+          <a:fillRef idx="1">
+            <a:schemeClr val="accent1"/>
+          </a:fillRef>
+          <a:effectRef idx="0">
+            <a:schemeClr val="accent1"/>
+          </a:effectRef>
+          <a:fontRef idx="minor">
+            <a:schemeClr val="lt1"/>
+          </a:fontRef>
+        </p:style>
+        <p:txBody>
+          <a:bodyPr rtlCol="0" anchor="ctr"/>
+          <a:lstStyle/>
+          <a:p>
+            <a:pPr algn="ctr"/>
+            <a:r>
+              <a:rPr lang="en-US" dirty="0" smtClean="0"/>
+              <a:t>Staff Remotely Interacting with Visualization</a:t>
+            </a:r>
+            <a:endParaRPr lang="en-US" dirty="0"/>
+          </a:p>
+        </p:txBody>
+      </p:sp>
+      <p:sp>
+        <p:nvSpPr>
+          <p:cNvPr id="8" name="Rectangle 7"/>
+          <p:cNvSpPr/>
+          <p:nvPr/>
+        </p:nvSpPr>
+        <p:spPr>
+          <a:xfrm>
+            <a:off x="141902" y="5903751"/>
+            <a:ext cx="4518869" cy="396381"/>
+          </a:xfrm>
+          <a:prstGeom prst="rect">
+            <a:avLst/>
+          </a:prstGeom>
+          <a:noFill/>
+        </p:spPr>
+        <p:style>
+          <a:lnRef idx="2">
+            <a:schemeClr val="accent1">
+              <a:shade val="50000"/>
+            </a:schemeClr>
+          </a:lnRef>
+          <a:fillRef idx="1">
+            <a:schemeClr val="accent1"/>
+          </a:fillRef>
+          <a:effectRef idx="0">
+            <a:schemeClr val="accent1"/>
+          </a:effectRef>
+          <a:fontRef idx="minor">
+            <a:schemeClr val="lt1"/>
+          </a:fontRef>
+        </p:style>
+        <p:txBody>
+          <a:bodyPr rtlCol="0" anchor="t"/>
+          <a:lstStyle/>
+          <a:p>
+            <a:pPr algn="ctr"/>
+            <a:r>
+              <a:rPr lang="en-US" dirty="0" smtClean="0"/>
+              <a:t>Compute Servers (Peregrine, AWS EC2, Other)</a:t>
+            </a:r>
+            <a:endParaRPr lang="en-US" dirty="0"/>
+          </a:p>
+        </p:txBody>
+      </p:sp>
+      <p:sp>
+        <p:nvSpPr>
+          <p:cNvPr id="9" name="Rectangle 8"/>
+          <p:cNvSpPr/>
+          <p:nvPr/>
+        </p:nvSpPr>
+        <p:spPr>
+          <a:xfrm>
+            <a:off x="5869892" y="2697056"/>
+            <a:ext cx="2483142" cy="1251357"/>
+          </a:xfrm>
+          <a:prstGeom prst="rect">
+            <a:avLst/>
+          </a:prstGeom>
+          <a:noFill/>
+        </p:spPr>
+        <p:style>
+          <a:lnRef idx="2">
+            <a:schemeClr val="accent1">
+              <a:shade val="50000"/>
+            </a:schemeClr>
+          </a:lnRef>
+          <a:fillRef idx="1">
+            <a:schemeClr val="accent1"/>
+          </a:fillRef>
+          <a:effectRef idx="0">
+            <a:schemeClr val="accent1"/>
+          </a:effectRef>
+          <a:fontRef idx="minor">
+            <a:schemeClr val="lt1"/>
+          </a:fontRef>
+        </p:style>
+        <p:txBody>
+          <a:bodyPr rtlCol="0" anchor="t"/>
+          <a:lstStyle/>
+          <a:p>
+            <a:pPr algn="ctr"/>
+            <a:r>
+              <a:rPr lang="en-US" i="1" dirty="0" smtClean="0"/>
+              <a:t>Office in RSF</a:t>
+            </a:r>
+            <a:endParaRPr lang="en-US" i="1" dirty="0"/>
+          </a:p>
+        </p:txBody>
+      </p:sp>
+      <p:sp>
+        <p:nvSpPr>
+          <p:cNvPr id="10" name="Rectangle 9"/>
+          <p:cNvSpPr/>
+          <p:nvPr/>
+        </p:nvSpPr>
+        <p:spPr>
+          <a:xfrm>
+            <a:off x="6058946" y="3155658"/>
+            <a:ext cx="2161556" cy="669721"/>
+          </a:xfrm>
+          <a:prstGeom prst="rect">
+            <a:avLst/>
+          </a:prstGeom>
+          <a:noFill/>
+        </p:spPr>
+        <p:style>
+          <a:lnRef idx="2">
+            <a:schemeClr val="accent1">
+              <a:shade val="50000"/>
+            </a:schemeClr>
+          </a:lnRef>
+          <a:fillRef idx="1">
+            <a:schemeClr val="accent1"/>
+          </a:fillRef>
+          <a:effectRef idx="0">
+            <a:schemeClr val="accent1"/>
+          </a:effectRef>
+          <a:fontRef idx="minor">
+            <a:schemeClr val="lt1"/>
+          </a:fontRef>
+        </p:style>
+        <p:txBody>
+          <a:bodyPr rtlCol="0" anchor="ctr"/>
+          <a:lstStyle/>
+          <a:p>
+            <a:pPr algn="ctr"/>
+            <a:r>
+              <a:rPr lang="en-US" dirty="0" smtClean="0"/>
+              <a:t>Analyst Viewing Bookmarked Data </a:t>
+            </a:r>
+            <a:endParaRPr lang="en-US" dirty="0"/>
+          </a:p>
+        </p:txBody>
+      </p:sp>
+      <p:sp>
+        <p:nvSpPr>
+          <p:cNvPr id="11" name="Rectangle 10"/>
+          <p:cNvSpPr/>
+          <p:nvPr/>
+        </p:nvSpPr>
+        <p:spPr>
+          <a:xfrm>
+            <a:off x="2626442" y="4135764"/>
+            <a:ext cx="2699146" cy="394284"/>
+          </a:xfrm>
+          <a:prstGeom prst="rect">
+            <a:avLst/>
+          </a:prstGeom>
+          <a:noFill/>
+        </p:spPr>
+        <p:style>
+          <a:lnRef idx="2">
+            <a:schemeClr val="accent1">
+              <a:shade val="50000"/>
+            </a:schemeClr>
+          </a:lnRef>
+          <a:fillRef idx="1">
+            <a:schemeClr val="accent1"/>
+          </a:fillRef>
+          <a:effectRef idx="0">
+            <a:schemeClr val="accent1"/>
+          </a:effectRef>
+          <a:fontRef idx="minor">
+            <a:schemeClr val="lt1"/>
+          </a:fontRef>
+        </p:style>
+        <p:txBody>
+          <a:bodyPr rtlCol="0" anchor="t"/>
+          <a:lstStyle/>
+          <a:p>
+            <a:pPr algn="ctr"/>
+            <a:r>
+              <a:rPr lang="en-US" dirty="0" smtClean="0"/>
+              <a:t>AESDS Records Servers</a:t>
+            </a:r>
+            <a:endParaRPr lang="en-US" dirty="0"/>
+          </a:p>
+        </p:txBody>
+      </p:sp>
+      <p:cxnSp>
+        <p:nvCxnSpPr>
+          <p:cNvPr id="16" name="Elbow Connector 15"/>
+          <p:cNvCxnSpPr>
+            <a:stCxn id="11" idx="0"/>
+            <a:endCxn id="5" idx="2"/>
+          </p:cNvCxnSpPr>
+          <p:nvPr/>
+        </p:nvCxnSpPr>
+        <p:spPr>
+          <a:xfrm rot="16200000" flipV="1">
+            <a:off x="2658431" y="2818180"/>
+            <a:ext cx="980106" cy="1655062"/>
+          </a:xfrm>
+          <a:prstGeom prst="bentConnector3">
+            <a:avLst>
+              <a:gd name="adj1" fmla="val 50000"/>
+            </a:avLst>
+          </a:prstGeom>
+          <a:ln>
+            <a:headEnd type="triangle" w="med" len="med"/>
+            <a:tailEnd type="triangle" w="med" len="med"/>
+          </a:ln>
+        </p:spPr>
+        <p:style>
+          <a:lnRef idx="1">
+            <a:schemeClr val="accent1"/>
+          </a:lnRef>
+          <a:fillRef idx="0">
+            <a:schemeClr val="accent1"/>
+          </a:fillRef>
+          <a:effectRef idx="0">
+            <a:schemeClr val="accent1"/>
+          </a:effectRef>
+          <a:fontRef idx="minor">
+            <a:schemeClr val="tx1"/>
+          </a:fontRef>
+        </p:style>
+      </p:cxnSp>
+      <p:cxnSp>
+        <p:nvCxnSpPr>
+          <p:cNvPr id="20" name="Elbow Connector 19"/>
+          <p:cNvCxnSpPr>
+            <a:stCxn id="11" idx="1"/>
+            <a:endCxn id="8" idx="0"/>
+          </p:cNvCxnSpPr>
+          <p:nvPr/>
+        </p:nvCxnSpPr>
+        <p:spPr>
+          <a:xfrm rot="10800000" flipV="1">
+            <a:off x="2401338" y="4332905"/>
+            <a:ext cx="225105" cy="1570845"/>
+          </a:xfrm>
+          <a:prstGeom prst="bentConnector2">
+            <a:avLst/>
+          </a:prstGeom>
+          <a:ln>
+            <a:headEnd type="triangle" w="med" len="med"/>
+            <a:tailEnd type="triangle" w="med" len="med"/>
+          </a:ln>
+        </p:spPr>
+        <p:style>
+          <a:lnRef idx="1">
+            <a:schemeClr val="accent1"/>
+          </a:lnRef>
+          <a:fillRef idx="0">
+            <a:schemeClr val="accent1"/>
+          </a:fillRef>
+          <a:effectRef idx="0">
+            <a:schemeClr val="accent1"/>
+          </a:effectRef>
+          <a:fontRef idx="minor">
+            <a:schemeClr val="tx1"/>
+          </a:fontRef>
+        </p:style>
+      </p:cxnSp>
+      <p:cxnSp>
+        <p:nvCxnSpPr>
+          <p:cNvPr id="21" name="Elbow Connector 20"/>
+          <p:cNvCxnSpPr>
+            <a:stCxn id="10" idx="2"/>
+            <a:endCxn id="11" idx="3"/>
+          </p:cNvCxnSpPr>
+          <p:nvPr/>
+        </p:nvCxnSpPr>
+        <p:spPr>
+          <a:xfrm rot="5400000">
+            <a:off x="5978893" y="3172074"/>
+            <a:ext cx="507527" cy="1814136"/>
+          </a:xfrm>
+          <a:prstGeom prst="bentConnector2">
+            <a:avLst/>
+          </a:prstGeom>
+          <a:ln>
+            <a:headEnd type="triangle" w="med" len="med"/>
+            <a:tailEnd type="triangle" w="med" len="med"/>
+          </a:ln>
+        </p:spPr>
+        <p:style>
+          <a:lnRef idx="1">
+            <a:schemeClr val="accent1"/>
+          </a:lnRef>
+          <a:fillRef idx="0">
+            <a:schemeClr val="accent1"/>
+          </a:fillRef>
+          <a:effectRef idx="0">
+            <a:schemeClr val="accent1"/>
+          </a:effectRef>
+          <a:fontRef idx="minor">
+            <a:schemeClr val="tx1"/>
+          </a:fontRef>
+        </p:style>
+      </p:cxnSp>
+      <p:cxnSp>
+        <p:nvCxnSpPr>
+          <p:cNvPr id="22" name="Elbow Connector 21"/>
+          <p:cNvCxnSpPr>
+            <a:stCxn id="4" idx="3"/>
+            <a:endCxn id="11" idx="0"/>
+          </p:cNvCxnSpPr>
+          <p:nvPr/>
+        </p:nvCxnSpPr>
+        <p:spPr>
+          <a:xfrm>
+            <a:off x="2726421" y="1875638"/>
+            <a:ext cx="1249594" cy="2260126"/>
+          </a:xfrm>
+          <a:prstGeom prst="bentConnector2">
+            <a:avLst/>
+          </a:prstGeom>
+          <a:ln>
+            <a:headEnd type="triangle" w="med" len="med"/>
+            <a:tailEnd type="triangle" w="med" len="med"/>
+          </a:ln>
+        </p:spPr>
+        <p:style>
+          <a:lnRef idx="1">
+            <a:schemeClr val="accent1"/>
+          </a:lnRef>
+          <a:fillRef idx="0">
+            <a:schemeClr val="accent1"/>
+          </a:fillRef>
+          <a:effectRef idx="0">
+            <a:schemeClr val="accent1"/>
+          </a:effectRef>
+          <a:fontRef idx="minor">
+            <a:schemeClr val="tx1"/>
+          </a:fontRef>
+        </p:style>
+      </p:cxnSp>
+      <p:cxnSp>
+        <p:nvCxnSpPr>
+          <p:cNvPr id="23" name="Elbow Connector 22"/>
+          <p:cNvCxnSpPr>
+            <a:stCxn id="11" idx="2"/>
+            <a:endCxn id="7" idx="1"/>
+          </p:cNvCxnSpPr>
+          <p:nvPr/>
+        </p:nvCxnSpPr>
+        <p:spPr>
+          <a:xfrm rot="16200000" flipH="1">
+            <a:off x="4334128" y="4171935"/>
+            <a:ext cx="1166079" cy="1882304"/>
+          </a:xfrm>
+          <a:prstGeom prst="bentConnector2">
+            <a:avLst/>
+          </a:prstGeom>
+          <a:ln>
+            <a:headEnd type="triangle" w="med" len="med"/>
+            <a:tailEnd type="triangle" w="med" len="med"/>
+          </a:ln>
+        </p:spPr>
+        <p:style>
+          <a:lnRef idx="1">
+            <a:schemeClr val="accent1"/>
+          </a:lnRef>
+          <a:fillRef idx="0">
+            <a:schemeClr val="accent1"/>
+          </a:fillRef>
+          <a:effectRef idx="0">
+            <a:schemeClr val="accent1"/>
+          </a:effectRef>
+          <a:fontRef idx="minor">
+            <a:schemeClr val="tx1"/>
+          </a:fontRef>
+        </p:style>
+      </p:cxnSp>
+    </p:spTree>
+    <p:extLst>
+      <p:ext uri="{BB962C8B-B14F-4D97-AF65-F5344CB8AC3E}">
+        <p14:creationId xmlns:p14="http://schemas.microsoft.com/office/powerpoint/2010/main" val="2934414557"/>
+      </p:ext>
+    </p:extLst>
+  </p:cSld>
+  <p:clrMapOvr>
+    <a:masterClrMapping/>
+  </p:clrMapOvr>
+</p:sld>
+</file>
+
+<file path=ppt/slides/slide24.xml><?xml version="1.0" encoding="utf-8"?>
+<p:sld xmlns:a="http://schemas.openxmlformats.org/drawingml/2006/main" xmlns:r="http://schemas.openxmlformats.org/officeDocument/2006/relationships" xmlns:p="http://schemas.openxmlformats.org/presentationml/2006/main">
+  <p:cSld>
+    <p:spTree>
+      <p:nvGrpSpPr>
+        <p:cNvPr id="1" name=""/>
+        <p:cNvGrpSpPr/>
+        <p:nvPr/>
+      </p:nvGrpSpPr>
+      <p:grpSpPr>
+        <a:xfrm>
+          <a:off x="0" y="0"/>
+          <a:ext cx="0" cy="0"/>
+          <a:chOff x="0" y="0"/>
+          <a:chExt cx="0" cy="0"/>
+        </a:xfrm>
+      </p:grpSpPr>
+      <p:sp>
+        <p:nvSpPr>
           <p:cNvPr id="3" name="Content Placeholder 2"/>
           <p:cNvSpPr>
             <a:spLocks noGrp="1"/>
@@ -9374,8 +10226,16 @@
           </a:xfrm>
         </p:spPr>
         <p:txBody>
-          <a:bodyPr/>
+          <a:bodyPr>
+            <a:normAutofit fontScale="92500" lnSpcReduction="10000"/>
+          </a:bodyPr>
           <a:lstStyle/>
+          <a:p>
+            <a:r>
+              <a:rPr lang="en-US" sz="2300" dirty="0" smtClean="0"/>
+              <a:t>Official release at end of September</a:t>
+            </a:r>
+          </a:p>
           <a:p>
             <a:r>
               <a:rPr lang="en-US" sz="2300" dirty="0" smtClean="0"/>
@@ -9400,8 +10260,15 @@
               <a:t>github.nrel.gov/d-star/data-feeds/blob/master/README.md</a:t>
             </a:r>
             <a:r>
-              <a:rPr lang="en-US" sz="2300" dirty="0"/>
+              <a:rPr lang="en-US" sz="2300" dirty="0" smtClean="0"/>
               <a:t>&gt;</a:t>
+            </a:r>
+            <a:br>
+              <a:rPr lang="en-US" sz="2300" dirty="0" smtClean="0"/>
+            </a:br>
+            <a:r>
+              <a:rPr lang="en-US" sz="2300" dirty="0" smtClean="0"/>
+              <a:t>(preliminary / work in progress)</a:t>
             </a:r>
             <a:endParaRPr lang="en-US" sz="2300" dirty="0" smtClean="0"/>
           </a:p>
@@ -12641,11 +13508,11 @@
   <p:clrMapOvr>
     <a:masterClrMapping/>
   </p:clrMapOvr>
-  <mc:AlternateContent xmlns:mc="http://schemas.openxmlformats.org/markup-compatibility/2006">
-    <mc:Choice xmlns:p14="http://schemas.microsoft.com/office/powerpoint/2010/main" Requires="p14">
+  <mc:AlternateContent xmlns:mc="http://schemas.openxmlformats.org/markup-compatibility/2006" xmlns:p14="http://schemas.microsoft.com/office/powerpoint/2010/main">
+    <mc:Choice Requires="p14">
       <p:transition spd="slow" p14:dur="2000"/>
     </mc:Choice>
-    <mc:Fallback>
+    <mc:Fallback xmlns="">
       <p:transition spd="slow"/>
     </mc:Fallback>
   </mc:AlternateContent>
